--- a/trunk/Documentação/Especificação de Requisitos de Software/Apresentação.pptx
+++ b/trunk/Documentação/Especificação de Requisitos de Software/Apresentação.pptx
@@ -5,24 +5,20 @@
     <p:sldMasterId id="2147483864" r:id="rId1"/>
   </p:sldMasterIdLst>
   <p:notesMasterIdLst>
-    <p:notesMasterId r:id="rId17"/>
+    <p:notesMasterId r:id="rId13"/>
   </p:notesMasterIdLst>
   <p:sldIdLst>
     <p:sldId id="256" r:id="rId2"/>
     <p:sldId id="257" r:id="rId3"/>
     <p:sldId id="258" r:id="rId4"/>
     <p:sldId id="259" r:id="rId5"/>
-    <p:sldId id="260" r:id="rId6"/>
-    <p:sldId id="261" r:id="rId7"/>
-    <p:sldId id="263" r:id="rId8"/>
-    <p:sldId id="264" r:id="rId9"/>
-    <p:sldId id="265" r:id="rId10"/>
-    <p:sldId id="268" r:id="rId11"/>
-    <p:sldId id="262" r:id="rId12"/>
-    <p:sldId id="266" r:id="rId13"/>
-    <p:sldId id="267" r:id="rId14"/>
-    <p:sldId id="269" r:id="rId15"/>
-    <p:sldId id="270" r:id="rId16"/>
+    <p:sldId id="271" r:id="rId6"/>
+    <p:sldId id="272" r:id="rId7"/>
+    <p:sldId id="273" r:id="rId8"/>
+    <p:sldId id="274" r:id="rId9"/>
+    <p:sldId id="275" r:id="rId10"/>
+    <p:sldId id="269" r:id="rId11"/>
+    <p:sldId id="270" r:id="rId12"/>
   </p:sldIdLst>
   <p:sldSz cx="9144000" cy="6858000" type="screen4x3"/>
   <p:notesSz cx="6858000" cy="9144000"/>
@@ -206,7 +202,8 @@
           <a:p>
             <a:fld id="{D4D74DF4-3340-4C2C-BFD7-DAF2CAB91795}" type="datetimeFigureOut">
               <a:rPr lang="pt-BR" smtClean="0"/>
-              <a:t>31/03/2009</a:t>
+              <a:pPr/>
+              <a:t>19/05/2009</a:t>
             </a:fld>
             <a:endParaRPr lang="pt-BR"/>
           </a:p>
@@ -367,6 +364,7 @@
           <a:p>
             <a:fld id="{EBBBFCE1-D48B-48F0-9862-9677497DA945}" type="slidenum">
               <a:rPr lang="pt-BR" smtClean="0"/>
+              <a:pPr/>
               <a:t>‹nº›</a:t>
             </a:fld>
             <a:endParaRPr lang="pt-BR"/>
@@ -538,6 +536,7 @@
           <a:p>
             <a:fld id="{EBBBFCE1-D48B-48F0-9862-9677497DA945}" type="slidenum">
               <a:rPr lang="pt-BR" smtClean="0"/>
+              <a:pPr/>
               <a:t>1</a:t>
             </a:fld>
             <a:endParaRPr lang="pt-BR"/>
@@ -619,6 +618,7 @@
           <a:p>
             <a:fld id="{EBBBFCE1-D48B-48F0-9862-9677497DA945}" type="slidenum">
               <a:rPr lang="pt-BR" smtClean="0"/>
+              <a:pPr/>
               <a:t>10</a:t>
             </a:fld>
             <a:endParaRPr lang="pt-BR"/>
@@ -700,331 +700,8 @@
           <a:p>
             <a:fld id="{EBBBFCE1-D48B-48F0-9862-9677497DA945}" type="slidenum">
               <a:rPr lang="pt-BR" smtClean="0"/>
+              <a:pPr/>
               <a:t>11</a:t>
-            </a:fld>
-            <a:endParaRPr lang="pt-BR"/>
-          </a:p>
-        </p:txBody>
-      </p:sp>
-    </p:spTree>
-  </p:cSld>
-  <p:clrMapOvr>
-    <a:masterClrMapping/>
-  </p:clrMapOvr>
-</p:notes>
-</file>
-
-<file path=ppt/notesSlides/notesSlide12.xml><?xml version="1.0" encoding="utf-8"?>
-<p:notes xmlns:a="http://schemas.openxmlformats.org/drawingml/2006/main" xmlns:r="http://schemas.openxmlformats.org/officeDocument/2006/relationships" xmlns:p="http://schemas.openxmlformats.org/presentationml/2006/main">
-  <p:cSld>
-    <p:spTree>
-      <p:nvGrpSpPr>
-        <p:cNvPr id="1" name=""/>
-        <p:cNvGrpSpPr/>
-        <p:nvPr/>
-      </p:nvGrpSpPr>
-      <p:grpSpPr>
-        <a:xfrm>
-          <a:off x="0" y="0"/>
-          <a:ext cx="0" cy="0"/>
-          <a:chOff x="0" y="0"/>
-          <a:chExt cx="0" cy="0"/>
-        </a:xfrm>
-      </p:grpSpPr>
-      <p:sp>
-        <p:nvSpPr>
-          <p:cNvPr id="2" name="Espaço Reservado para Imagem de Slide 1"/>
-          <p:cNvSpPr>
-            <a:spLocks noGrp="1" noRot="1" noChangeAspect="1"/>
-          </p:cNvSpPr>
-          <p:nvPr>
-            <p:ph type="sldImg"/>
-          </p:nvPr>
-        </p:nvSpPr>
-        <p:spPr/>
-      </p:sp>
-      <p:sp>
-        <p:nvSpPr>
-          <p:cNvPr id="3" name="Espaço Reservado para Anotações 2"/>
-          <p:cNvSpPr>
-            <a:spLocks noGrp="1"/>
-          </p:cNvSpPr>
-          <p:nvPr>
-            <p:ph type="body" idx="1"/>
-          </p:nvPr>
-        </p:nvSpPr>
-        <p:spPr/>
-        <p:txBody>
-          <a:bodyPr>
-            <a:normAutofit/>
-          </a:bodyPr>
-          <a:lstStyle/>
-          <a:p>
-            <a:endParaRPr lang="pt-BR"/>
-          </a:p>
-        </p:txBody>
-      </p:sp>
-      <p:sp>
-        <p:nvSpPr>
-          <p:cNvPr id="4" name="Espaço Reservado para Número de Slide 3"/>
-          <p:cNvSpPr>
-            <a:spLocks noGrp="1"/>
-          </p:cNvSpPr>
-          <p:nvPr>
-            <p:ph type="sldNum" sz="quarter" idx="10"/>
-          </p:nvPr>
-        </p:nvSpPr>
-        <p:spPr/>
-        <p:txBody>
-          <a:bodyPr/>
-          <a:lstStyle/>
-          <a:p>
-            <a:fld id="{EBBBFCE1-D48B-48F0-9862-9677497DA945}" type="slidenum">
-              <a:rPr lang="pt-BR" smtClean="0"/>
-              <a:t>12</a:t>
-            </a:fld>
-            <a:endParaRPr lang="pt-BR"/>
-          </a:p>
-        </p:txBody>
-      </p:sp>
-    </p:spTree>
-  </p:cSld>
-  <p:clrMapOvr>
-    <a:masterClrMapping/>
-  </p:clrMapOvr>
-</p:notes>
-</file>
-
-<file path=ppt/notesSlides/notesSlide13.xml><?xml version="1.0" encoding="utf-8"?>
-<p:notes xmlns:a="http://schemas.openxmlformats.org/drawingml/2006/main" xmlns:r="http://schemas.openxmlformats.org/officeDocument/2006/relationships" xmlns:p="http://schemas.openxmlformats.org/presentationml/2006/main">
-  <p:cSld>
-    <p:spTree>
-      <p:nvGrpSpPr>
-        <p:cNvPr id="1" name=""/>
-        <p:cNvGrpSpPr/>
-        <p:nvPr/>
-      </p:nvGrpSpPr>
-      <p:grpSpPr>
-        <a:xfrm>
-          <a:off x="0" y="0"/>
-          <a:ext cx="0" cy="0"/>
-          <a:chOff x="0" y="0"/>
-          <a:chExt cx="0" cy="0"/>
-        </a:xfrm>
-      </p:grpSpPr>
-      <p:sp>
-        <p:nvSpPr>
-          <p:cNvPr id="2" name="Espaço Reservado para Imagem de Slide 1"/>
-          <p:cNvSpPr>
-            <a:spLocks noGrp="1" noRot="1" noChangeAspect="1"/>
-          </p:cNvSpPr>
-          <p:nvPr>
-            <p:ph type="sldImg"/>
-          </p:nvPr>
-        </p:nvSpPr>
-        <p:spPr/>
-      </p:sp>
-      <p:sp>
-        <p:nvSpPr>
-          <p:cNvPr id="3" name="Espaço Reservado para Anotações 2"/>
-          <p:cNvSpPr>
-            <a:spLocks noGrp="1"/>
-          </p:cNvSpPr>
-          <p:nvPr>
-            <p:ph type="body" idx="1"/>
-          </p:nvPr>
-        </p:nvSpPr>
-        <p:spPr/>
-        <p:txBody>
-          <a:bodyPr>
-            <a:normAutofit/>
-          </a:bodyPr>
-          <a:lstStyle/>
-          <a:p>
-            <a:endParaRPr lang="pt-BR"/>
-          </a:p>
-        </p:txBody>
-      </p:sp>
-      <p:sp>
-        <p:nvSpPr>
-          <p:cNvPr id="4" name="Espaço Reservado para Número de Slide 3"/>
-          <p:cNvSpPr>
-            <a:spLocks noGrp="1"/>
-          </p:cNvSpPr>
-          <p:nvPr>
-            <p:ph type="sldNum" sz="quarter" idx="10"/>
-          </p:nvPr>
-        </p:nvSpPr>
-        <p:spPr/>
-        <p:txBody>
-          <a:bodyPr/>
-          <a:lstStyle/>
-          <a:p>
-            <a:fld id="{EBBBFCE1-D48B-48F0-9862-9677497DA945}" type="slidenum">
-              <a:rPr lang="pt-BR" smtClean="0"/>
-              <a:t>13</a:t>
-            </a:fld>
-            <a:endParaRPr lang="pt-BR"/>
-          </a:p>
-        </p:txBody>
-      </p:sp>
-    </p:spTree>
-  </p:cSld>
-  <p:clrMapOvr>
-    <a:masterClrMapping/>
-  </p:clrMapOvr>
-</p:notes>
-</file>
-
-<file path=ppt/notesSlides/notesSlide14.xml><?xml version="1.0" encoding="utf-8"?>
-<p:notes xmlns:a="http://schemas.openxmlformats.org/drawingml/2006/main" xmlns:r="http://schemas.openxmlformats.org/officeDocument/2006/relationships" xmlns:p="http://schemas.openxmlformats.org/presentationml/2006/main">
-  <p:cSld>
-    <p:spTree>
-      <p:nvGrpSpPr>
-        <p:cNvPr id="1" name=""/>
-        <p:cNvGrpSpPr/>
-        <p:nvPr/>
-      </p:nvGrpSpPr>
-      <p:grpSpPr>
-        <a:xfrm>
-          <a:off x="0" y="0"/>
-          <a:ext cx="0" cy="0"/>
-          <a:chOff x="0" y="0"/>
-          <a:chExt cx="0" cy="0"/>
-        </a:xfrm>
-      </p:grpSpPr>
-      <p:sp>
-        <p:nvSpPr>
-          <p:cNvPr id="2" name="Espaço Reservado para Imagem de Slide 1"/>
-          <p:cNvSpPr>
-            <a:spLocks noGrp="1" noRot="1" noChangeAspect="1"/>
-          </p:cNvSpPr>
-          <p:nvPr>
-            <p:ph type="sldImg"/>
-          </p:nvPr>
-        </p:nvSpPr>
-        <p:spPr/>
-      </p:sp>
-      <p:sp>
-        <p:nvSpPr>
-          <p:cNvPr id="3" name="Espaço Reservado para Anotações 2"/>
-          <p:cNvSpPr>
-            <a:spLocks noGrp="1"/>
-          </p:cNvSpPr>
-          <p:nvPr>
-            <p:ph type="body" idx="1"/>
-          </p:nvPr>
-        </p:nvSpPr>
-        <p:spPr/>
-        <p:txBody>
-          <a:bodyPr>
-            <a:normAutofit/>
-          </a:bodyPr>
-          <a:lstStyle/>
-          <a:p>
-            <a:endParaRPr lang="pt-BR"/>
-          </a:p>
-        </p:txBody>
-      </p:sp>
-      <p:sp>
-        <p:nvSpPr>
-          <p:cNvPr id="4" name="Espaço Reservado para Número de Slide 3"/>
-          <p:cNvSpPr>
-            <a:spLocks noGrp="1"/>
-          </p:cNvSpPr>
-          <p:nvPr>
-            <p:ph type="sldNum" sz="quarter" idx="10"/>
-          </p:nvPr>
-        </p:nvSpPr>
-        <p:spPr/>
-        <p:txBody>
-          <a:bodyPr/>
-          <a:lstStyle/>
-          <a:p>
-            <a:fld id="{EBBBFCE1-D48B-48F0-9862-9677497DA945}" type="slidenum">
-              <a:rPr lang="pt-BR" smtClean="0"/>
-              <a:t>14</a:t>
-            </a:fld>
-            <a:endParaRPr lang="pt-BR"/>
-          </a:p>
-        </p:txBody>
-      </p:sp>
-    </p:spTree>
-  </p:cSld>
-  <p:clrMapOvr>
-    <a:masterClrMapping/>
-  </p:clrMapOvr>
-</p:notes>
-</file>
-
-<file path=ppt/notesSlides/notesSlide15.xml><?xml version="1.0" encoding="utf-8"?>
-<p:notes xmlns:a="http://schemas.openxmlformats.org/drawingml/2006/main" xmlns:r="http://schemas.openxmlformats.org/officeDocument/2006/relationships" xmlns:p="http://schemas.openxmlformats.org/presentationml/2006/main">
-  <p:cSld>
-    <p:spTree>
-      <p:nvGrpSpPr>
-        <p:cNvPr id="1" name=""/>
-        <p:cNvGrpSpPr/>
-        <p:nvPr/>
-      </p:nvGrpSpPr>
-      <p:grpSpPr>
-        <a:xfrm>
-          <a:off x="0" y="0"/>
-          <a:ext cx="0" cy="0"/>
-          <a:chOff x="0" y="0"/>
-          <a:chExt cx="0" cy="0"/>
-        </a:xfrm>
-      </p:grpSpPr>
-      <p:sp>
-        <p:nvSpPr>
-          <p:cNvPr id="2" name="Espaço Reservado para Imagem de Slide 1"/>
-          <p:cNvSpPr>
-            <a:spLocks noGrp="1" noRot="1" noChangeAspect="1"/>
-          </p:cNvSpPr>
-          <p:nvPr>
-            <p:ph type="sldImg"/>
-          </p:nvPr>
-        </p:nvSpPr>
-        <p:spPr/>
-      </p:sp>
-      <p:sp>
-        <p:nvSpPr>
-          <p:cNvPr id="3" name="Espaço Reservado para Anotações 2"/>
-          <p:cNvSpPr>
-            <a:spLocks noGrp="1"/>
-          </p:cNvSpPr>
-          <p:nvPr>
-            <p:ph type="body" idx="1"/>
-          </p:nvPr>
-        </p:nvSpPr>
-        <p:spPr/>
-        <p:txBody>
-          <a:bodyPr>
-            <a:normAutofit/>
-          </a:bodyPr>
-          <a:lstStyle/>
-          <a:p>
-            <a:endParaRPr lang="pt-BR"/>
-          </a:p>
-        </p:txBody>
-      </p:sp>
-      <p:sp>
-        <p:nvSpPr>
-          <p:cNvPr id="4" name="Espaço Reservado para Número de Slide 3"/>
-          <p:cNvSpPr>
-            <a:spLocks noGrp="1"/>
-          </p:cNvSpPr>
-          <p:nvPr>
-            <p:ph type="sldNum" sz="quarter" idx="10"/>
-          </p:nvPr>
-        </p:nvSpPr>
-        <p:spPr/>
-        <p:txBody>
-          <a:bodyPr/>
-          <a:lstStyle/>
-          <a:p>
-            <a:fld id="{EBBBFCE1-D48B-48F0-9862-9677497DA945}" type="slidenum">
-              <a:rPr lang="pt-BR" smtClean="0"/>
-              <a:t>15</a:t>
             </a:fld>
             <a:endParaRPr lang="pt-BR"/>
           </a:p>
@@ -1105,6 +782,7 @@
           <a:p>
             <a:fld id="{EBBBFCE1-D48B-48F0-9862-9677497DA945}" type="slidenum">
               <a:rPr lang="pt-BR" smtClean="0"/>
+              <a:pPr/>
               <a:t>2</a:t>
             </a:fld>
             <a:endParaRPr lang="pt-BR"/>
@@ -1186,6 +864,7 @@
           <a:p>
             <a:fld id="{EBBBFCE1-D48B-48F0-9862-9677497DA945}" type="slidenum">
               <a:rPr lang="pt-BR" smtClean="0"/>
+              <a:pPr/>
               <a:t>3</a:t>
             </a:fld>
             <a:endParaRPr lang="pt-BR"/>
@@ -1267,6 +946,7 @@
           <a:p>
             <a:fld id="{EBBBFCE1-D48B-48F0-9862-9677497DA945}" type="slidenum">
               <a:rPr lang="pt-BR" smtClean="0"/>
+              <a:pPr/>
               <a:t>4</a:t>
             </a:fld>
             <a:endParaRPr lang="pt-BR"/>
@@ -1348,6 +1028,7 @@
           <a:p>
             <a:fld id="{EBBBFCE1-D48B-48F0-9862-9677497DA945}" type="slidenum">
               <a:rPr lang="pt-BR" smtClean="0"/>
+              <a:pPr/>
               <a:t>5</a:t>
             </a:fld>
             <a:endParaRPr lang="pt-BR"/>
@@ -1429,6 +1110,7 @@
           <a:p>
             <a:fld id="{EBBBFCE1-D48B-48F0-9862-9677497DA945}" type="slidenum">
               <a:rPr lang="pt-BR" smtClean="0"/>
+              <a:pPr/>
               <a:t>6</a:t>
             </a:fld>
             <a:endParaRPr lang="pt-BR"/>
@@ -1510,6 +1192,7 @@
           <a:p>
             <a:fld id="{EBBBFCE1-D48B-48F0-9862-9677497DA945}" type="slidenum">
               <a:rPr lang="pt-BR" smtClean="0"/>
+              <a:pPr/>
               <a:t>7</a:t>
             </a:fld>
             <a:endParaRPr lang="pt-BR"/>
@@ -1591,6 +1274,7 @@
           <a:p>
             <a:fld id="{EBBBFCE1-D48B-48F0-9862-9677497DA945}" type="slidenum">
               <a:rPr lang="pt-BR" smtClean="0"/>
+              <a:pPr/>
               <a:t>8</a:t>
             </a:fld>
             <a:endParaRPr lang="pt-BR"/>
@@ -1672,6 +1356,7 @@
           <a:p>
             <a:fld id="{EBBBFCE1-D48B-48F0-9862-9677497DA945}" type="slidenum">
               <a:rPr lang="pt-BR" smtClean="0"/>
+              <a:pPr/>
               <a:t>9</a:t>
             </a:fld>
             <a:endParaRPr lang="pt-BR"/>
@@ -1935,7 +1620,7 @@
             <a:fld id="{2E700DB3-DBF0-4086-B675-117E7A9610B8}" type="datetimeFigureOut">
               <a:rPr lang="pt-BR" smtClean="0"/>
               <a:pPr/>
-              <a:t>31/03/2009</a:t>
+              <a:t>19/05/2009</a:t>
             </a:fld>
             <a:endParaRPr lang="pt-BR"/>
           </a:p>
@@ -2160,7 +1845,7 @@
             <a:fld id="{2E700DB3-DBF0-4086-B675-117E7A9610B8}" type="datetimeFigureOut">
               <a:rPr lang="pt-BR" smtClean="0"/>
               <a:pPr/>
-              <a:t>31/03/2009</a:t>
+              <a:t>19/05/2009</a:t>
             </a:fld>
             <a:endParaRPr lang="pt-BR"/>
           </a:p>
@@ -2442,7 +2127,7 @@
             <a:fld id="{2E700DB3-DBF0-4086-B675-117E7A9610B8}" type="datetimeFigureOut">
               <a:rPr lang="pt-BR" smtClean="0"/>
               <a:pPr/>
-              <a:t>31/03/2009</a:t>
+              <a:t>19/05/2009</a:t>
             </a:fld>
             <a:endParaRPr lang="pt-BR"/>
           </a:p>
@@ -2623,7 +2308,7 @@
             <a:fld id="{2E700DB3-DBF0-4086-B675-117E7A9610B8}" type="datetimeFigureOut">
               <a:rPr lang="pt-BR" smtClean="0"/>
               <a:pPr/>
-              <a:t>31/03/2009</a:t>
+              <a:t>19/05/2009</a:t>
             </a:fld>
             <a:endParaRPr lang="pt-BR"/>
           </a:p>
@@ -2983,7 +2668,7 @@
             <a:fld id="{2E700DB3-DBF0-4086-B675-117E7A9610B8}" type="datetimeFigureOut">
               <a:rPr lang="pt-BR" smtClean="0"/>
               <a:pPr/>
-              <a:t>31/03/2009</a:t>
+              <a:t>19/05/2009</a:t>
             </a:fld>
             <a:endParaRPr lang="pt-BR"/>
           </a:p>
@@ -3272,7 +2957,7 @@
             <a:fld id="{2E700DB3-DBF0-4086-B675-117E7A9610B8}" type="datetimeFigureOut">
               <a:rPr lang="pt-BR" smtClean="0"/>
               <a:pPr/>
-              <a:t>31/03/2009</a:t>
+              <a:t>19/05/2009</a:t>
             </a:fld>
             <a:endParaRPr lang="pt-BR"/>
           </a:p>
@@ -3696,7 +3381,7 @@
             <a:fld id="{2E700DB3-DBF0-4086-B675-117E7A9610B8}" type="datetimeFigureOut">
               <a:rPr lang="pt-BR" smtClean="0"/>
               <a:pPr/>
-              <a:t>31/03/2009</a:t>
+              <a:t>19/05/2009</a:t>
             </a:fld>
             <a:endParaRPr lang="pt-BR"/>
           </a:p>
@@ -3813,7 +3498,7 @@
             <a:fld id="{2E700DB3-DBF0-4086-B675-117E7A9610B8}" type="datetimeFigureOut">
               <a:rPr lang="pt-BR" smtClean="0"/>
               <a:pPr/>
-              <a:t>31/03/2009</a:t>
+              <a:t>19/05/2009</a:t>
             </a:fld>
             <a:endParaRPr lang="pt-BR"/>
           </a:p>
@@ -3905,7 +3590,7 @@
             <a:fld id="{2E700DB3-DBF0-4086-B675-117E7A9610B8}" type="datetimeFigureOut">
               <a:rPr lang="pt-BR" smtClean="0"/>
               <a:pPr/>
-              <a:t>31/03/2009</a:t>
+              <a:t>19/05/2009</a:t>
             </a:fld>
             <a:endParaRPr lang="pt-BR"/>
           </a:p>
@@ -4185,7 +3870,7 @@
             <a:fld id="{2E700DB3-DBF0-4086-B675-117E7A9610B8}" type="datetimeFigureOut">
               <a:rPr lang="pt-BR" smtClean="0"/>
               <a:pPr/>
-              <a:t>31/03/2009</a:t>
+              <a:t>19/05/2009</a:t>
             </a:fld>
             <a:endParaRPr lang="pt-BR"/>
           </a:p>
@@ -4553,7 +4238,7 @@
             <a:fld id="{2E700DB3-DBF0-4086-B675-117E7A9610B8}" type="datetimeFigureOut">
               <a:rPr lang="pt-BR" smtClean="0"/>
               <a:pPr/>
-              <a:t>31/03/2009</a:t>
+              <a:t>19/05/2009</a:t>
             </a:fld>
             <a:endParaRPr lang="pt-BR"/>
           </a:p>
@@ -4992,7 +4677,7 @@
             <a:fld id="{2E700DB3-DBF0-4086-B675-117E7A9610B8}" type="datetimeFigureOut">
               <a:rPr lang="pt-BR" smtClean="0"/>
               <a:pPr/>
-              <a:t>31/03/2009</a:t>
+              <a:t>19/05/2009</a:t>
             </a:fld>
             <a:endParaRPr lang="pt-BR"/>
           </a:p>
@@ -5459,7 +5144,11 @@
           <a:p>
             <a:r>
               <a:rPr lang="pt-BR" dirty="0" smtClean="0"/>
-              <a:t>Plano de Gerenciamento de Projeto de Software - 1.00</a:t>
+              <a:t>Especificação de Requisitos de </a:t>
+            </a:r>
+            <a:r>
+              <a:rPr lang="pt-BR" dirty="0" smtClean="0"/>
+              <a:t>Software - 1.00</a:t>
             </a:r>
           </a:p>
         </p:txBody>
@@ -5772,334 +5461,57 @@
           <a:p>
             <a:r>
               <a:rPr lang="pt-BR" dirty="0" smtClean="0"/>
-              <a:t>Riscos</a:t>
+              <a:t>Próximo Passo</a:t>
             </a:r>
             <a:endParaRPr lang="pt-BR" dirty="0"/>
           </a:p>
         </p:txBody>
       </p:sp>
-      <p:graphicFrame>
-        <p:nvGraphicFramePr>
-          <p:cNvPr id="8" name="Espaço Reservado para Conteúdo 7"/>
-          <p:cNvGraphicFramePr>
-            <a:graphicFrameLocks noGrp="1"/>
-          </p:cNvGraphicFramePr>
+      <p:sp>
+        <p:nvSpPr>
+          <p:cNvPr id="7" name="Espaço Reservado para Conteúdo 6"/>
+          <p:cNvSpPr>
+            <a:spLocks noGrp="1"/>
+          </p:cNvSpPr>
           <p:nvPr>
             <p:ph idx="1"/>
           </p:nvPr>
-        </p:nvGraphicFramePr>
-        <p:xfrm>
-          <a:off x="228601" y="2360936"/>
-          <a:ext cx="8686799" cy="1925320"/>
-        </p:xfrm>
-        <a:graphic>
-          <a:graphicData uri="http://schemas.openxmlformats.org/drawingml/2006/table">
-            <a:tbl>
-              <a:tblPr firstRow="1" bandRow="1">
-                <a:tableStyleId>{B301B821-A1FF-4177-AEE7-76D212191A09}</a:tableStyleId>
-              </a:tblPr>
-              <a:tblGrid>
-                <a:gridCol w="2500330"/>
-                <a:gridCol w="2071702"/>
-                <a:gridCol w="1785950"/>
-                <a:gridCol w="1152502"/>
-                <a:gridCol w="1176315"/>
-              </a:tblGrid>
-              <a:tr h="370840">
-                <a:tc>
-                  <a:txBody>
-                    <a:bodyPr/>
-                    <a:lstStyle/>
-                    <a:p>
-                      <a:pPr algn="ctr"/>
-                      <a:r>
-                        <a:rPr lang="pt-BR" dirty="0" smtClean="0"/>
-                        <a:t>Risco</a:t>
-                      </a:r>
-                      <a:endParaRPr lang="pt-BR" dirty="0"/>
-                    </a:p>
-                  </a:txBody>
-                  <a:tcPr/>
-                </a:tc>
-                <a:tc>
-                  <a:txBody>
-                    <a:bodyPr/>
-                    <a:lstStyle/>
-                    <a:p>
-                      <a:pPr algn="ctr"/>
-                      <a:r>
-                        <a:rPr lang="pt-BR" dirty="0" smtClean="0"/>
-                        <a:t>Categoria</a:t>
-                      </a:r>
-                      <a:endParaRPr lang="pt-BR" dirty="0"/>
-                    </a:p>
-                  </a:txBody>
-                  <a:tcPr/>
-                </a:tc>
-                <a:tc>
-                  <a:txBody>
-                    <a:bodyPr/>
-                    <a:lstStyle/>
-                    <a:p>
-                      <a:pPr algn="ctr"/>
-                      <a:r>
-                        <a:rPr lang="pt-BR" dirty="0" smtClean="0"/>
-                        <a:t>Probabilidade</a:t>
-                      </a:r>
-                      <a:endParaRPr lang="pt-BR" dirty="0"/>
-                    </a:p>
-                  </a:txBody>
-                  <a:tcPr/>
-                </a:tc>
-                <a:tc>
-                  <a:txBody>
-                    <a:bodyPr/>
-                    <a:lstStyle/>
-                    <a:p>
-                      <a:pPr algn="ctr"/>
-                      <a:r>
-                        <a:rPr lang="pt-BR" dirty="0" smtClean="0"/>
-                        <a:t>Impacto</a:t>
-                      </a:r>
-                      <a:endParaRPr lang="pt-BR" dirty="0"/>
-                    </a:p>
-                  </a:txBody>
-                  <a:tcPr/>
-                </a:tc>
-                <a:tc>
-                  <a:txBody>
-                    <a:bodyPr/>
-                    <a:lstStyle/>
-                    <a:p>
-                      <a:pPr algn="ctr"/>
-                      <a:r>
-                        <a:rPr lang="pt-BR" dirty="0" smtClean="0"/>
-                        <a:t>RMMM</a:t>
-                      </a:r>
-                      <a:endParaRPr lang="pt-BR" dirty="0"/>
-                    </a:p>
-                  </a:txBody>
-                  <a:tcPr/>
-                </a:tc>
-              </a:tr>
-              <a:tr h="370840">
-                <a:tc>
-                  <a:txBody>
-                    <a:bodyPr/>
-                    <a:lstStyle/>
-                    <a:p>
-                      <a:pPr algn="ctr"/>
-                      <a:r>
-                        <a:rPr lang="pt-BR" dirty="0" smtClean="0"/>
-                        <a:t>Aumento exagerado do número de linhas</a:t>
-                      </a:r>
-                      <a:r>
-                        <a:rPr lang="pt-BR" baseline="0" dirty="0" smtClean="0"/>
-                        <a:t> de código do simulador</a:t>
-                      </a:r>
-                      <a:endParaRPr lang="pt-BR" dirty="0"/>
-                    </a:p>
-                  </a:txBody>
-                  <a:tcPr anchor="ctr"/>
-                </a:tc>
-                <a:tc>
-                  <a:txBody>
-                    <a:bodyPr/>
-                    <a:lstStyle/>
-                    <a:p>
-                      <a:pPr algn="ctr"/>
-                      <a:r>
-                        <a:rPr lang="pt-BR" dirty="0" smtClean="0"/>
-                        <a:t>Tamanho do Produto</a:t>
-                      </a:r>
-                      <a:endParaRPr lang="pt-BR" dirty="0"/>
-                    </a:p>
-                  </a:txBody>
-                  <a:tcPr anchor="ctr"/>
-                </a:tc>
-                <a:tc>
-                  <a:txBody>
-                    <a:bodyPr/>
-                    <a:lstStyle/>
-                    <a:p>
-                      <a:pPr algn="ctr"/>
-                      <a:r>
-                        <a:rPr lang="pt-BR" dirty="0" smtClean="0"/>
-                        <a:t>50%</a:t>
-                      </a:r>
-                      <a:endParaRPr lang="pt-BR" dirty="0"/>
-                    </a:p>
-                  </a:txBody>
-                  <a:tcPr anchor="ctr"/>
-                </a:tc>
-                <a:tc>
-                  <a:txBody>
-                    <a:bodyPr/>
-                    <a:lstStyle/>
-                    <a:p>
-                      <a:pPr algn="ctr"/>
-                      <a:r>
-                        <a:rPr lang="pt-BR" dirty="0" smtClean="0"/>
-                        <a:t>3</a:t>
-                      </a:r>
-                      <a:endParaRPr lang="pt-BR" dirty="0"/>
-                    </a:p>
-                  </a:txBody>
-                  <a:tcPr anchor="ctr"/>
-                </a:tc>
-                <a:tc>
-                  <a:txBody>
-                    <a:bodyPr/>
-                    <a:lstStyle/>
-                    <a:p>
-                      <a:pPr algn="ctr"/>
-                      <a:r>
-                        <a:rPr lang="pt-BR" dirty="0" smtClean="0"/>
-                        <a:t>R1</a:t>
-                      </a:r>
-                      <a:endParaRPr lang="pt-BR" dirty="0"/>
-                    </a:p>
-                  </a:txBody>
-                  <a:tcPr anchor="ctr"/>
-                </a:tc>
-              </a:tr>
-              <a:tr h="370840">
-                <a:tc>
-                  <a:txBody>
-                    <a:bodyPr/>
-                    <a:lstStyle/>
-                    <a:p>
-                      <a:pPr algn="ctr"/>
-                      <a:r>
-                        <a:rPr lang="pt-BR" dirty="0" smtClean="0"/>
-                        <a:t>Prazo não atendido</a:t>
-                      </a:r>
-                      <a:endParaRPr lang="pt-BR" dirty="0"/>
-                    </a:p>
-                  </a:txBody>
-                  <a:tcPr anchor="ctr"/>
-                </a:tc>
-                <a:tc>
-                  <a:txBody>
-                    <a:bodyPr/>
-                    <a:lstStyle/>
-                    <a:p>
-                      <a:pPr algn="ctr"/>
-                      <a:r>
-                        <a:rPr lang="pt-BR" dirty="0" smtClean="0"/>
-                        <a:t>Definição do Processo</a:t>
-                      </a:r>
-                      <a:endParaRPr lang="pt-BR" dirty="0"/>
-                    </a:p>
-                  </a:txBody>
-                  <a:tcPr anchor="ctr"/>
-                </a:tc>
-                <a:tc>
-                  <a:txBody>
-                    <a:bodyPr/>
-                    <a:lstStyle/>
-                    <a:p>
-                      <a:pPr algn="ctr"/>
-                      <a:r>
-                        <a:rPr lang="pt-BR" dirty="0" smtClean="0"/>
-                        <a:t>40%</a:t>
-                      </a:r>
-                      <a:endParaRPr lang="pt-BR" dirty="0"/>
-                    </a:p>
-                  </a:txBody>
-                  <a:tcPr anchor="ctr"/>
-                </a:tc>
-                <a:tc>
-                  <a:txBody>
-                    <a:bodyPr/>
-                    <a:lstStyle/>
-                    <a:p>
-                      <a:pPr algn="ctr"/>
-                      <a:r>
-                        <a:rPr lang="pt-BR" dirty="0" smtClean="0"/>
-                        <a:t>2</a:t>
-                      </a:r>
-                      <a:endParaRPr lang="pt-BR" dirty="0"/>
-                    </a:p>
-                  </a:txBody>
-                  <a:tcPr anchor="ctr"/>
-                </a:tc>
-                <a:tc>
-                  <a:txBody>
-                    <a:bodyPr/>
-                    <a:lstStyle/>
-                    <a:p>
-                      <a:pPr algn="ctr"/>
-                      <a:r>
-                        <a:rPr lang="pt-BR" dirty="0" smtClean="0"/>
-                        <a:t>R2</a:t>
-                      </a:r>
-                      <a:endParaRPr lang="pt-BR" dirty="0"/>
-                    </a:p>
-                  </a:txBody>
-                  <a:tcPr anchor="ctr"/>
-                </a:tc>
-              </a:tr>
-            </a:tbl>
-          </a:graphicData>
-        </a:graphic>
-      </p:graphicFrame>
-      <p:sp>
-        <p:nvSpPr>
-          <p:cNvPr id="9" name="Espaço Reservado para Conteúdo 2"/>
-          <p:cNvSpPr txBox="1">
-            <a:spLocks/>
-          </p:cNvSpPr>
-          <p:nvPr/>
-        </p:nvSpPr>
-        <p:spPr>
-          <a:xfrm>
-            <a:off x="457200" y="1775191"/>
-            <a:ext cx="8229600" cy="4625609"/>
-          </a:xfrm>
-          <a:prstGeom prst="rect">
-            <a:avLst/>
-          </a:prstGeom>
-        </p:spPr>
-        <p:txBody>
-          <a:bodyPr vert="horz" lIns="54864" tIns="91440" rtlCol="0">
-            <a:normAutofit/>
-          </a:bodyPr>
-          <a:lstStyle/>
-          <a:p>
-            <a:pPr marL="438912" marR="0" lvl="0" indent="-320040" algn="l" defTabSz="914400" rtl="0" eaLnBrk="1" fontAlgn="auto" latinLnBrk="0" hangingPunct="1">
-              <a:lnSpc>
-                <a:spcPct val="100000"/>
-              </a:lnSpc>
-              <a:spcBef>
-                <a:spcPts val="0"/>
-              </a:spcBef>
-              <a:spcAft>
-                <a:spcPts val="0"/>
-              </a:spcAft>
-              <a:buClr>
-                <a:schemeClr val="accent1"/>
-              </a:buClr>
-              <a:buSzPct val="80000"/>
-              <a:buFont typeface="Wingdings 2"/>
-              <a:buChar char=""/>
-              <a:tabLst/>
-              <a:defRPr/>
-            </a:pPr>
-            <a:endParaRPr kumimoji="0" lang="pt-BR" sz="3200" b="0" i="0" u="none" strike="noStrike" kern="1200" cap="none" spc="0" normalizeH="0" baseline="0" noProof="0" dirty="0" smtClean="0">
-              <a:ln>
-                <a:noFill/>
-              </a:ln>
-              <a:solidFill>
-                <a:schemeClr val="tx1"/>
-              </a:solidFill>
-              <a:effectLst/>
-              <a:uLnTx/>
-              <a:uFillTx/>
-              <a:latin typeface="+mn-lt"/>
-              <a:ea typeface="+mn-ea"/>
-              <a:cs typeface="+mn-cs"/>
-            </a:endParaRPr>
+        </p:nvSpPr>
+        <p:spPr/>
+        <p:txBody>
+          <a:bodyPr/>
+          <a:lstStyle/>
+          <a:p>
+            <a:pPr algn="just"/>
+            <a:r>
+              <a:rPr lang="pt-BR" dirty="0" smtClean="0"/>
+              <a:t>Projeto, Plano de testes e Manua</a:t>
+            </a:r>
+            <a:r>
+              <a:rPr lang="pt-BR" dirty="0" smtClean="0"/>
+              <a:t>l do Usuário 2ª versão</a:t>
+            </a:r>
+            <a:r>
+              <a:rPr lang="pt-BR" dirty="0" smtClean="0"/>
+              <a:t>:</a:t>
+            </a:r>
+            <a:endParaRPr lang="pt-BR" dirty="0" smtClean="0"/>
+          </a:p>
+          <a:p>
+            <a:pPr lvl="1"/>
+            <a:r>
+              <a:rPr lang="pt-BR" dirty="0" smtClean="0"/>
+              <a:t>3º </a:t>
+            </a:r>
+            <a:r>
+              <a:rPr lang="pt-BR" dirty="0" smtClean="0"/>
+              <a:t>seminário: </a:t>
+            </a:r>
+            <a:r>
+              <a:rPr lang="pt-BR" dirty="0" smtClean="0"/>
+              <a:t>08/06/2009</a:t>
+            </a:r>
+            <a:endParaRPr lang="pt-BR" dirty="0"/>
           </a:p>
         </p:txBody>
       </p:sp>
@@ -6137,697 +5549,61 @@
       </p:grpSpPr>
       <p:sp>
         <p:nvSpPr>
-          <p:cNvPr id="2" name="Título 1"/>
-          <p:cNvSpPr>
-            <a:spLocks noGrp="1"/>
-          </p:cNvSpPr>
-          <p:nvPr>
-            <p:ph type="title"/>
-          </p:nvPr>
-        </p:nvSpPr>
-        <p:spPr/>
-        <p:txBody>
-          <a:bodyPr/>
-          <a:lstStyle/>
-          <a:p>
-            <a:r>
-              <a:rPr lang="pt-BR" dirty="0" smtClean="0"/>
-              <a:t>Modelo de Processos</a:t>
-            </a:r>
-            <a:endParaRPr lang="pt-BR" dirty="0"/>
-          </a:p>
-        </p:txBody>
-      </p:sp>
-      <p:sp>
-        <p:nvSpPr>
-          <p:cNvPr id="3" name="Espaço Reservado para Conteúdo 2"/>
-          <p:cNvSpPr>
-            <a:spLocks noGrp="1"/>
-          </p:cNvSpPr>
-          <p:nvPr>
-            <p:ph idx="1"/>
-          </p:nvPr>
-        </p:nvSpPr>
-        <p:spPr/>
-        <p:txBody>
-          <a:bodyPr/>
-          <a:lstStyle/>
-          <a:p>
-            <a:pPr algn="just"/>
-            <a:r>
-              <a:rPr lang="pt-BR" dirty="0" smtClean="0"/>
-              <a:t>O projeto segue o Modelo de Processo em Cascata, também conhecido como </a:t>
-            </a:r>
-            <a:r>
-              <a:rPr lang="pt-BR" i="1" dirty="0" smtClean="0"/>
-              <a:t>Ciclo de Vida Clássico</a:t>
-            </a:r>
-            <a:endParaRPr lang="pt-BR" dirty="0"/>
-          </a:p>
-        </p:txBody>
-      </p:sp>
-      <p:sp>
-        <p:nvSpPr>
-          <p:cNvPr id="4" name="Retângulo 3"/>
-          <p:cNvSpPr/>
-          <p:nvPr/>
+          <p:cNvPr id="4" name="Título 3"/>
+          <p:cNvSpPr>
+            <a:spLocks noGrp="1"/>
+          </p:cNvSpPr>
+          <p:nvPr>
+            <p:ph type="ctrTitle"/>
+          </p:nvPr>
         </p:nvSpPr>
         <p:spPr>
           <a:xfrm>
-            <a:off x="285720" y="4000504"/>
-            <a:ext cx="1928826" cy="642942"/>
+            <a:off x="2428860" y="3898788"/>
+            <a:ext cx="4286280" cy="1101848"/>
+          </a:xfrm>
+        </p:spPr>
+        <p:txBody>
+          <a:bodyPr>
+            <a:normAutofit/>
+          </a:bodyPr>
+          <a:lstStyle/>
+          <a:p>
+            <a:pPr algn="ctr"/>
+            <a:r>
+              <a:rPr lang="pt-BR" sz="6400" dirty="0" smtClean="0"/>
+              <a:t>Obrigado!</a:t>
+            </a:r>
+            <a:endParaRPr lang="pt-BR" sz="6400" dirty="0"/>
+          </a:p>
+        </p:txBody>
+      </p:sp>
+      <p:pic>
+        <p:nvPicPr>
+          <p:cNvPr id="12290" name="Picture 2" descr="http://www.surfrider.org.br/intranet/imagem/aviso/ValeuPraiaweb.jpg"/>
+          <p:cNvPicPr>
+            <a:picLocks noChangeAspect="1" noChangeArrowheads="1"/>
+          </p:cNvPicPr>
+          <p:nvPr/>
+        </p:nvPicPr>
+        <p:blipFill>
+          <a:blip r:embed="rId3"/>
+          <a:srcRect/>
+          <a:stretch>
+            <a:fillRect/>
+          </a:stretch>
+        </p:blipFill>
+        <p:spPr bwMode="auto">
+          <a:xfrm>
+            <a:off x="3381375" y="1147763"/>
+            <a:ext cx="2381250" cy="2352675"/>
           </a:xfrm>
           <a:prstGeom prst="rect">
             <a:avLst/>
           </a:prstGeom>
+          <a:noFill/>
         </p:spPr>
-        <p:style>
-          <a:lnRef idx="2">
-            <a:schemeClr val="accent1">
-              <a:shade val="50000"/>
-            </a:schemeClr>
-          </a:lnRef>
-          <a:fillRef idx="1">
-            <a:schemeClr val="accent1"/>
-          </a:fillRef>
-          <a:effectRef idx="0">
-            <a:schemeClr val="accent1"/>
-          </a:effectRef>
-          <a:fontRef idx="minor">
-            <a:schemeClr val="lt1"/>
-          </a:fontRef>
-        </p:style>
-        <p:txBody>
-          <a:bodyPr rtlCol="0" anchor="ctr"/>
-          <a:lstStyle/>
-          <a:p>
-            <a:pPr algn="ctr"/>
-            <a:r>
-              <a:rPr lang="pt-BR" sz="2200" b="1" dirty="0" smtClean="0"/>
-              <a:t>Planejamento</a:t>
-            </a:r>
-            <a:endParaRPr lang="pt-BR" sz="2200" b="1" dirty="0"/>
-          </a:p>
-        </p:txBody>
-      </p:sp>
-      <p:sp>
-        <p:nvSpPr>
-          <p:cNvPr id="8" name="Retângulo 7"/>
-          <p:cNvSpPr/>
-          <p:nvPr/>
-        </p:nvSpPr>
-        <p:spPr>
-          <a:xfrm>
-            <a:off x="2500298" y="4357694"/>
-            <a:ext cx="1928826" cy="642942"/>
-          </a:xfrm>
-          <a:prstGeom prst="rect">
-            <a:avLst/>
-          </a:prstGeom>
-        </p:spPr>
-        <p:style>
-          <a:lnRef idx="2">
-            <a:schemeClr val="accent1">
-              <a:shade val="50000"/>
-            </a:schemeClr>
-          </a:lnRef>
-          <a:fillRef idx="1">
-            <a:schemeClr val="accent1"/>
-          </a:fillRef>
-          <a:effectRef idx="0">
-            <a:schemeClr val="accent1"/>
-          </a:effectRef>
-          <a:fontRef idx="minor">
-            <a:schemeClr val="lt1"/>
-          </a:fontRef>
-        </p:style>
-        <p:txBody>
-          <a:bodyPr rtlCol="0" anchor="ctr"/>
-          <a:lstStyle/>
-          <a:p>
-            <a:pPr algn="ctr"/>
-            <a:r>
-              <a:rPr lang="pt-BR" sz="2200" b="1" dirty="0" smtClean="0"/>
-              <a:t>Análise</a:t>
-            </a:r>
-            <a:endParaRPr lang="pt-BR" sz="2200" b="1" dirty="0"/>
-          </a:p>
-        </p:txBody>
-      </p:sp>
-      <p:sp>
-        <p:nvSpPr>
-          <p:cNvPr id="9" name="Retângulo 8"/>
-          <p:cNvSpPr/>
-          <p:nvPr/>
-        </p:nvSpPr>
-        <p:spPr>
-          <a:xfrm>
-            <a:off x="4714876" y="4714884"/>
-            <a:ext cx="1928826" cy="642942"/>
-          </a:xfrm>
-          <a:prstGeom prst="rect">
-            <a:avLst/>
-          </a:prstGeom>
-        </p:spPr>
-        <p:style>
-          <a:lnRef idx="2">
-            <a:schemeClr val="accent1">
-              <a:shade val="50000"/>
-            </a:schemeClr>
-          </a:lnRef>
-          <a:fillRef idx="1">
-            <a:schemeClr val="accent1"/>
-          </a:fillRef>
-          <a:effectRef idx="0">
-            <a:schemeClr val="accent1"/>
-          </a:effectRef>
-          <a:fontRef idx="minor">
-            <a:schemeClr val="lt1"/>
-          </a:fontRef>
-        </p:style>
-        <p:txBody>
-          <a:bodyPr rtlCol="0" anchor="ctr"/>
-          <a:lstStyle/>
-          <a:p>
-            <a:pPr algn="ctr"/>
-            <a:r>
-              <a:rPr lang="pt-BR" sz="2200" b="1" dirty="0" smtClean="0"/>
-              <a:t>Design</a:t>
-            </a:r>
-            <a:endParaRPr lang="pt-BR" sz="2200" b="1" dirty="0"/>
-          </a:p>
-        </p:txBody>
-      </p:sp>
-      <p:sp>
-        <p:nvSpPr>
-          <p:cNvPr id="10" name="Retângulo 9"/>
-          <p:cNvSpPr/>
-          <p:nvPr/>
-        </p:nvSpPr>
-        <p:spPr>
-          <a:xfrm>
-            <a:off x="6929454" y="5143512"/>
-            <a:ext cx="1928826" cy="642942"/>
-          </a:xfrm>
-          <a:prstGeom prst="rect">
-            <a:avLst/>
-          </a:prstGeom>
-        </p:spPr>
-        <p:style>
-          <a:lnRef idx="2">
-            <a:schemeClr val="accent1">
-              <a:shade val="50000"/>
-            </a:schemeClr>
-          </a:lnRef>
-          <a:fillRef idx="1">
-            <a:schemeClr val="accent1"/>
-          </a:fillRef>
-          <a:effectRef idx="0">
-            <a:schemeClr val="accent1"/>
-          </a:effectRef>
-          <a:fontRef idx="minor">
-            <a:schemeClr val="lt1"/>
-          </a:fontRef>
-        </p:style>
-        <p:txBody>
-          <a:bodyPr rtlCol="0" anchor="ctr"/>
-          <a:lstStyle/>
-          <a:p>
-            <a:pPr algn="ctr"/>
-            <a:r>
-              <a:rPr lang="pt-BR" sz="2200" b="1" dirty="0" smtClean="0"/>
-              <a:t>Codificação</a:t>
-            </a:r>
-            <a:endParaRPr lang="pt-BR" sz="2200" b="1" dirty="0"/>
-          </a:p>
-        </p:txBody>
-      </p:sp>
-      <p:cxnSp>
-        <p:nvCxnSpPr>
-          <p:cNvPr id="12" name="Forma 11"/>
-          <p:cNvCxnSpPr>
-            <a:stCxn id="4" idx="2"/>
-          </p:cNvCxnSpPr>
-          <p:nvPr/>
-        </p:nvCxnSpPr>
-        <p:spPr>
-          <a:xfrm rot="16200000" flipH="1">
-            <a:off x="1768058" y="4125520"/>
-            <a:ext cx="214316" cy="1250167"/>
-          </a:xfrm>
-          <a:prstGeom prst="bentConnector2">
-            <a:avLst/>
-          </a:prstGeom>
-          <a:ln w="25400" cmpd="sng">
-            <a:tailEnd type="arrow"/>
-          </a:ln>
-        </p:spPr>
-        <p:style>
-          <a:lnRef idx="1">
-            <a:schemeClr val="accent1"/>
-          </a:lnRef>
-          <a:fillRef idx="0">
-            <a:schemeClr val="accent1"/>
-          </a:fillRef>
-          <a:effectRef idx="0">
-            <a:schemeClr val="accent1"/>
-          </a:effectRef>
-          <a:fontRef idx="minor">
-            <a:schemeClr val="tx1"/>
-          </a:fontRef>
-        </p:style>
-      </p:cxnSp>
-      <p:cxnSp>
-        <p:nvCxnSpPr>
-          <p:cNvPr id="17" name="Forma 16"/>
-          <p:cNvCxnSpPr/>
-          <p:nvPr/>
-        </p:nvCxnSpPr>
-        <p:spPr>
-          <a:xfrm rot="16200000" flipH="1">
-            <a:off x="3982634" y="4482708"/>
-            <a:ext cx="214316" cy="1250167"/>
-          </a:xfrm>
-          <a:prstGeom prst="bentConnector2">
-            <a:avLst/>
-          </a:prstGeom>
-          <a:ln w="25400" cmpd="sng">
-            <a:tailEnd type="arrow"/>
-          </a:ln>
-        </p:spPr>
-        <p:style>
-          <a:lnRef idx="1">
-            <a:schemeClr val="accent1"/>
-          </a:lnRef>
-          <a:fillRef idx="0">
-            <a:schemeClr val="accent1"/>
-          </a:fillRef>
-          <a:effectRef idx="0">
-            <a:schemeClr val="accent1"/>
-          </a:effectRef>
-          <a:fontRef idx="minor">
-            <a:schemeClr val="tx1"/>
-          </a:fontRef>
-        </p:style>
-      </p:cxnSp>
-      <p:cxnSp>
-        <p:nvCxnSpPr>
-          <p:cNvPr id="18" name="Forma 17"/>
-          <p:cNvCxnSpPr/>
-          <p:nvPr/>
-        </p:nvCxnSpPr>
-        <p:spPr>
-          <a:xfrm rot="16200000" flipH="1">
-            <a:off x="6197212" y="4839901"/>
-            <a:ext cx="214316" cy="1250167"/>
-          </a:xfrm>
-          <a:prstGeom prst="bentConnector2">
-            <a:avLst/>
-          </a:prstGeom>
-          <a:ln w="25400" cmpd="sng">
-            <a:tailEnd type="arrow"/>
-          </a:ln>
-        </p:spPr>
-        <p:style>
-          <a:lnRef idx="1">
-            <a:schemeClr val="accent1"/>
-          </a:lnRef>
-          <a:fillRef idx="0">
-            <a:schemeClr val="accent1"/>
-          </a:fillRef>
-          <a:effectRef idx="0">
-            <a:schemeClr val="accent1"/>
-          </a:effectRef>
-          <a:fontRef idx="minor">
-            <a:schemeClr val="tx1"/>
-          </a:fontRef>
-        </p:style>
-      </p:cxnSp>
-    </p:spTree>
-  </p:cSld>
-  <p:clrMapOvr>
-    <a:masterClrMapping/>
-  </p:clrMapOvr>
-  <p:timing>
-    <p:tnLst>
-      <p:par>
-        <p:cTn id="1" dur="indefinite" restart="never" nodeType="tmRoot"/>
-      </p:par>
-    </p:tnLst>
-  </p:timing>
-</p:sld>
-</file>
-
-<file path=ppt/slides/slide12.xml><?xml version="1.0" encoding="utf-8"?>
-<p:sld xmlns:a="http://schemas.openxmlformats.org/drawingml/2006/main" xmlns:r="http://schemas.openxmlformats.org/officeDocument/2006/relationships" xmlns:p="http://schemas.openxmlformats.org/presentationml/2006/main">
-  <p:cSld>
-    <p:spTree>
-      <p:nvGrpSpPr>
-        <p:cNvPr id="1" name=""/>
-        <p:cNvGrpSpPr/>
-        <p:nvPr/>
-      </p:nvGrpSpPr>
-      <p:grpSpPr>
-        <a:xfrm>
-          <a:off x="0" y="0"/>
-          <a:ext cx="0" cy="0"/>
-          <a:chOff x="0" y="0"/>
-          <a:chExt cx="0" cy="0"/>
-        </a:xfrm>
-      </p:grpSpPr>
-      <p:sp>
-        <p:nvSpPr>
-          <p:cNvPr id="2" name="Título 1"/>
-          <p:cNvSpPr>
-            <a:spLocks noGrp="1"/>
-          </p:cNvSpPr>
-          <p:nvPr>
-            <p:ph type="title"/>
-          </p:nvPr>
-        </p:nvSpPr>
-        <p:spPr/>
-        <p:txBody>
-          <a:bodyPr>
-            <a:normAutofit fontScale="90000"/>
-          </a:bodyPr>
-          <a:lstStyle/>
-          <a:p>
-            <a:r>
-              <a:rPr lang="pt-BR" dirty="0" smtClean="0"/>
-              <a:t>Métodos, Ferramentas e Técnicas</a:t>
-            </a:r>
-            <a:endParaRPr lang="pt-BR" dirty="0"/>
-          </a:p>
-        </p:txBody>
-      </p:sp>
-      <p:sp>
-        <p:nvSpPr>
-          <p:cNvPr id="3" name="Espaço Reservado para Conteúdo 2"/>
-          <p:cNvSpPr>
-            <a:spLocks noGrp="1"/>
-          </p:cNvSpPr>
-          <p:nvPr>
-            <p:ph idx="1"/>
-          </p:nvPr>
-        </p:nvSpPr>
-        <p:spPr/>
-        <p:txBody>
-          <a:bodyPr/>
-          <a:lstStyle/>
-          <a:p>
-            <a:r>
-              <a:rPr lang="pt-BR" dirty="0" smtClean="0"/>
-              <a:t>Metodologia orientada a objeto</a:t>
-            </a:r>
-          </a:p>
-          <a:p>
-            <a:endParaRPr lang="pt-BR" dirty="0" smtClean="0"/>
-          </a:p>
-          <a:p>
-            <a:r>
-              <a:rPr lang="pt-BR" dirty="0" smtClean="0"/>
-              <a:t>Linguagem: C#</a:t>
-            </a:r>
-          </a:p>
-          <a:p>
-            <a:endParaRPr lang="pt-BR" dirty="0" smtClean="0"/>
-          </a:p>
-          <a:p>
-            <a:r>
-              <a:rPr lang="pt-BR" dirty="0" smtClean="0"/>
-              <a:t>IDE: Microsoft Visual Studio 2008</a:t>
-            </a:r>
-          </a:p>
-          <a:p>
-            <a:endParaRPr lang="pt-BR" dirty="0"/>
-          </a:p>
-        </p:txBody>
-      </p:sp>
-    </p:spTree>
-  </p:cSld>
-  <p:clrMapOvr>
-    <a:masterClrMapping/>
-  </p:clrMapOvr>
-  <p:timing>
-    <p:tnLst>
-      <p:par>
-        <p:cTn id="1" dur="indefinite" restart="never" nodeType="tmRoot"/>
-      </p:par>
-    </p:tnLst>
-  </p:timing>
-</p:sld>
-</file>
-
-<file path=ppt/slides/slide13.xml><?xml version="1.0" encoding="utf-8"?>
-<p:sld xmlns:a="http://schemas.openxmlformats.org/drawingml/2006/main" xmlns:r="http://schemas.openxmlformats.org/officeDocument/2006/relationships" xmlns:p="http://schemas.openxmlformats.org/presentationml/2006/main">
-  <p:cSld>
-    <p:spTree>
-      <p:nvGrpSpPr>
-        <p:cNvPr id="1" name=""/>
-        <p:cNvGrpSpPr/>
-        <p:nvPr/>
-      </p:nvGrpSpPr>
-      <p:grpSpPr>
-        <a:xfrm>
-          <a:off x="0" y="0"/>
-          <a:ext cx="0" cy="0"/>
-          <a:chOff x="0" y="0"/>
-          <a:chExt cx="0" cy="0"/>
-        </a:xfrm>
-      </p:grpSpPr>
-      <p:sp>
-        <p:nvSpPr>
-          <p:cNvPr id="2" name="Título 1"/>
-          <p:cNvSpPr>
-            <a:spLocks noGrp="1"/>
-          </p:cNvSpPr>
-          <p:nvPr>
-            <p:ph type="title"/>
-          </p:nvPr>
-        </p:nvSpPr>
-        <p:spPr/>
-        <p:txBody>
-          <a:bodyPr/>
-          <a:lstStyle/>
-          <a:p>
-            <a:r>
-              <a:rPr lang="pt-BR" dirty="0" smtClean="0"/>
-              <a:t>Gerenciamento de Configuração</a:t>
-            </a:r>
-            <a:endParaRPr lang="pt-BR" dirty="0"/>
-          </a:p>
-        </p:txBody>
-      </p:sp>
-      <p:sp>
-        <p:nvSpPr>
-          <p:cNvPr id="3" name="Espaço Reservado para Conteúdo 2"/>
-          <p:cNvSpPr>
-            <a:spLocks noGrp="1"/>
-          </p:cNvSpPr>
-          <p:nvPr>
-            <p:ph idx="1"/>
-          </p:nvPr>
-        </p:nvSpPr>
-        <p:spPr/>
-        <p:txBody>
-          <a:bodyPr/>
-          <a:lstStyle/>
-          <a:p>
-            <a:pPr algn="just"/>
-            <a:r>
-              <a:rPr lang="pt-BR" dirty="0" smtClean="0"/>
-              <a:t>Para o controle de versões, será utilizado o </a:t>
-            </a:r>
-            <a:r>
-              <a:rPr lang="pt-BR" dirty="0" err="1" smtClean="0"/>
-              <a:t>Subversion</a:t>
-            </a:r>
-            <a:endParaRPr lang="pt-BR" dirty="0" smtClean="0"/>
-          </a:p>
-          <a:p>
-            <a:pPr algn="just"/>
-            <a:r>
-              <a:rPr lang="pt-BR" dirty="0" smtClean="0"/>
-              <a:t>O repositório será acessado através da interface </a:t>
-            </a:r>
-            <a:r>
-              <a:rPr lang="pt-BR" dirty="0" err="1" smtClean="0"/>
-              <a:t>TortoiseSVN</a:t>
-            </a:r>
-            <a:endParaRPr lang="pt-BR" dirty="0" smtClean="0"/>
-          </a:p>
-          <a:p>
-            <a:pPr algn="just"/>
-            <a:r>
-              <a:rPr lang="pt-BR" dirty="0" smtClean="0"/>
-              <a:t>Todos os documentos, incluindo o PGPS, possuem um controle de versões no início de cada arquivo</a:t>
-            </a:r>
-            <a:endParaRPr lang="pt-BR" dirty="0"/>
-          </a:p>
-        </p:txBody>
-      </p:sp>
-    </p:spTree>
-  </p:cSld>
-  <p:clrMapOvr>
-    <a:masterClrMapping/>
-  </p:clrMapOvr>
-  <p:timing>
-    <p:tnLst>
-      <p:par>
-        <p:cTn id="1" dur="indefinite" restart="never" nodeType="tmRoot"/>
-      </p:par>
-    </p:tnLst>
-  </p:timing>
-</p:sld>
-</file>
-
-<file path=ppt/slides/slide14.xml><?xml version="1.0" encoding="utf-8"?>
-<p:sld xmlns:a="http://schemas.openxmlformats.org/drawingml/2006/main" xmlns:r="http://schemas.openxmlformats.org/officeDocument/2006/relationships" xmlns:p="http://schemas.openxmlformats.org/presentationml/2006/main">
-  <p:cSld>
-    <p:spTree>
-      <p:nvGrpSpPr>
-        <p:cNvPr id="1" name=""/>
-        <p:cNvGrpSpPr/>
-        <p:nvPr/>
-      </p:nvGrpSpPr>
-      <p:grpSpPr>
-        <a:xfrm>
-          <a:off x="0" y="0"/>
-          <a:ext cx="0" cy="0"/>
-          <a:chOff x="0" y="0"/>
-          <a:chExt cx="0" cy="0"/>
-        </a:xfrm>
-      </p:grpSpPr>
-      <p:sp>
-        <p:nvSpPr>
-          <p:cNvPr id="2" name="Título 1"/>
-          <p:cNvSpPr>
-            <a:spLocks noGrp="1"/>
-          </p:cNvSpPr>
-          <p:nvPr>
-            <p:ph type="title"/>
-          </p:nvPr>
-        </p:nvSpPr>
-        <p:spPr/>
-        <p:txBody>
-          <a:bodyPr/>
-          <a:lstStyle/>
-          <a:p>
-            <a:r>
-              <a:rPr lang="pt-BR" dirty="0" smtClean="0"/>
-              <a:t>Próximo Passo</a:t>
-            </a:r>
-            <a:endParaRPr lang="pt-BR" dirty="0"/>
-          </a:p>
-        </p:txBody>
-      </p:sp>
-      <p:sp>
-        <p:nvSpPr>
-          <p:cNvPr id="7" name="Espaço Reservado para Conteúdo 6"/>
-          <p:cNvSpPr>
-            <a:spLocks noGrp="1"/>
-          </p:cNvSpPr>
-          <p:nvPr>
-            <p:ph idx="1"/>
-          </p:nvPr>
-        </p:nvSpPr>
-        <p:spPr/>
-        <p:txBody>
-          <a:bodyPr/>
-          <a:lstStyle/>
-          <a:p>
-            <a:r>
-              <a:rPr lang="pt-BR" dirty="0" smtClean="0"/>
-              <a:t>Análise:</a:t>
-            </a:r>
-          </a:p>
-          <a:p>
-            <a:pPr lvl="1"/>
-            <a:r>
-              <a:rPr lang="pt-BR" dirty="0" smtClean="0"/>
-              <a:t>2º seminário: 18/05/2009</a:t>
-            </a:r>
-            <a:endParaRPr lang="pt-BR" dirty="0"/>
-          </a:p>
-        </p:txBody>
-      </p:sp>
-    </p:spTree>
-  </p:cSld>
-  <p:clrMapOvr>
-    <a:masterClrMapping/>
-  </p:clrMapOvr>
-  <p:timing>
-    <p:tnLst>
-      <p:par>
-        <p:cTn id="1" dur="indefinite" restart="never" nodeType="tmRoot"/>
-      </p:par>
-    </p:tnLst>
-  </p:timing>
-</p:sld>
-</file>
-
-<file path=ppt/slides/slide15.xml><?xml version="1.0" encoding="utf-8"?>
-<p:sld xmlns:a="http://schemas.openxmlformats.org/drawingml/2006/main" xmlns:r="http://schemas.openxmlformats.org/officeDocument/2006/relationships" xmlns:p="http://schemas.openxmlformats.org/presentationml/2006/main">
-  <p:cSld>
-    <p:spTree>
-      <p:nvGrpSpPr>
-        <p:cNvPr id="1" name=""/>
-        <p:cNvGrpSpPr/>
-        <p:nvPr/>
-      </p:nvGrpSpPr>
-      <p:grpSpPr>
-        <a:xfrm>
-          <a:off x="0" y="0"/>
-          <a:ext cx="0" cy="0"/>
-          <a:chOff x="0" y="0"/>
-          <a:chExt cx="0" cy="0"/>
-        </a:xfrm>
-      </p:grpSpPr>
-      <p:sp>
-        <p:nvSpPr>
-          <p:cNvPr id="4" name="Título 3"/>
-          <p:cNvSpPr>
-            <a:spLocks noGrp="1"/>
-          </p:cNvSpPr>
-          <p:nvPr>
-            <p:ph type="ctrTitle"/>
-          </p:nvPr>
-        </p:nvSpPr>
-        <p:spPr/>
-        <p:txBody>
-          <a:bodyPr>
-            <a:normAutofit/>
-          </a:bodyPr>
-          <a:lstStyle/>
-          <a:p>
-            <a:pPr algn="ctr"/>
-            <a:r>
-              <a:rPr lang="pt-BR" sz="6400" dirty="0" smtClean="0"/>
-              <a:t>Obrigado!</a:t>
-            </a:r>
-            <a:endParaRPr lang="pt-BR" sz="6400" dirty="0"/>
-          </a:p>
-        </p:txBody>
-      </p:sp>
-      <p:sp>
-        <p:nvSpPr>
-          <p:cNvPr id="5" name="Subtítulo 4"/>
-          <p:cNvSpPr>
-            <a:spLocks noGrp="1"/>
-          </p:cNvSpPr>
-          <p:nvPr>
-            <p:ph type="subTitle" idx="1"/>
-          </p:nvPr>
-        </p:nvSpPr>
-        <p:spPr/>
-        <p:txBody>
-          <a:bodyPr/>
-          <a:lstStyle/>
-          <a:p>
-            <a:endParaRPr lang="pt-BR" dirty="0"/>
-          </a:p>
-        </p:txBody>
-      </p:sp>
+      </p:pic>
     </p:spTree>
   </p:cSld>
   <p:clrMapOvr>
@@ -6900,62 +5676,81 @@
           <a:p>
             <a:r>
               <a:rPr lang="pt-BR" dirty="0" smtClean="0"/>
-              <a:t>Escopo e Objetivos</a:t>
-            </a:r>
+              <a:t>Escopo e Funções</a:t>
+            </a:r>
+            <a:endParaRPr lang="pt-BR" dirty="0" smtClean="0"/>
           </a:p>
           <a:p>
             <a:r>
               <a:rPr lang="pt-BR" dirty="0" smtClean="0"/>
-              <a:t>Estrutura Organizacional</a:t>
+              <a:t>Usuários e Interface</a:t>
             </a:r>
           </a:p>
           <a:p>
             <a:r>
               <a:rPr lang="pt-BR" dirty="0" smtClean="0"/>
-              <a:t>Previsões</a:t>
+              <a:t>Requisitos Funcionais</a:t>
             </a:r>
           </a:p>
           <a:p>
             <a:r>
               <a:rPr lang="pt-BR" dirty="0" smtClean="0"/>
-              <a:t>Riscos</a:t>
+              <a:t>Diagrama de Casos de uso</a:t>
             </a:r>
           </a:p>
           <a:p>
             <a:r>
               <a:rPr lang="pt-BR" dirty="0" smtClean="0"/>
-              <a:t>Modelo de Processos</a:t>
+              <a:t>Diagrama de Classes</a:t>
             </a:r>
           </a:p>
           <a:p>
             <a:r>
               <a:rPr lang="pt-BR" dirty="0" smtClean="0"/>
-              <a:t>Métodos, Ferramentas e Técnicas</a:t>
-            </a:r>
-          </a:p>
-          <a:p>
-            <a:r>
-              <a:rPr lang="pt-BR" dirty="0" smtClean="0"/>
-              <a:t>Gerenciamento de Configuração</a:t>
-            </a:r>
-          </a:p>
-          <a:p>
+              <a:t>Diagrama de Sequência</a:t>
+            </a:r>
             <a:endParaRPr lang="pt-BR" dirty="0" smtClean="0"/>
           </a:p>
           <a:p>
             <a:endParaRPr lang="pt-BR" dirty="0" smtClean="0"/>
           </a:p>
-          <a:p>
-            <a:endParaRPr lang="pt-BR" dirty="0" smtClean="0"/>
-          </a:p>
-          <a:p>
-            <a:endParaRPr lang="pt-BR" dirty="0" smtClean="0"/>
-          </a:p>
-          <a:p>
-            <a:endParaRPr lang="pt-BR" dirty="0" err="1" smtClean="0"/>
-          </a:p>
-        </p:txBody>
-      </p:sp>
+        </p:txBody>
+      </p:sp>
+      <p:pic>
+        <p:nvPicPr>
+          <p:cNvPr id="20482" name="Picture 2" descr="http://marciojames.files.wordpress.com/2009/04/livro.jpg"/>
+          <p:cNvPicPr>
+            <a:picLocks noChangeAspect="1" noChangeArrowheads="1"/>
+          </p:cNvPicPr>
+          <p:nvPr/>
+        </p:nvPicPr>
+        <p:blipFill>
+          <a:blip r:embed="rId3"/>
+          <a:srcRect/>
+          <a:stretch>
+            <a:fillRect/>
+          </a:stretch>
+        </p:blipFill>
+        <p:spPr bwMode="auto">
+          <a:xfrm>
+            <a:off x="5857884" y="2071678"/>
+            <a:ext cx="2738414" cy="1822757"/>
+          </a:xfrm>
+          <a:prstGeom prst="rect">
+            <a:avLst/>
+          </a:prstGeom>
+          <a:ln>
+            <a:noFill/>
+          </a:ln>
+          <a:effectLst>
+            <a:outerShdw blurRad="190500" algn="tl" rotWithShape="0">
+              <a:srgbClr val="000000">
+                <a:alpha val="70000"/>
+              </a:srgbClr>
+            </a:outerShdw>
+          </a:effectLst>
+        </p:spPr>
+      </p:pic>
     </p:spTree>
   </p:cSld>
   <p:clrMapOvr>
@@ -7005,7 +5800,7 @@
           <a:p>
             <a:r>
               <a:rPr lang="pt-BR" dirty="0" smtClean="0"/>
-              <a:t>Escopo e Objetivos</a:t>
+              <a:t>Escopo e Funções</a:t>
             </a:r>
             <a:endParaRPr lang="pt-BR" dirty="0"/>
           </a:p>
@@ -7021,23 +5816,58 @@
             <p:ph idx="1"/>
           </p:nvPr>
         </p:nvSpPr>
-        <p:spPr/>
-        <p:txBody>
-          <a:bodyPr/>
+        <p:spPr>
+          <a:xfrm>
+            <a:off x="457200" y="1428736"/>
+            <a:ext cx="6329378" cy="4654205"/>
+          </a:xfrm>
+        </p:spPr>
+        <p:txBody>
+          <a:bodyPr>
+            <a:normAutofit lnSpcReduction="10000"/>
+          </a:bodyPr>
           <a:lstStyle/>
           <a:p>
             <a:pPr algn="just"/>
+            <a:endParaRPr lang="pt-BR" dirty="0" smtClean="0"/>
+          </a:p>
+          <a:p>
+            <a:pPr algn="just"/>
+            <a:endParaRPr lang="pt-BR" dirty="0" smtClean="0"/>
+          </a:p>
+          <a:p>
+            <a:pPr algn="just"/>
             <a:r>
               <a:rPr lang="pt-BR" dirty="0" smtClean="0"/>
-              <a:t>Simulação do fluxo de automóveis</a:t>
+              <a:t>Região </a:t>
+            </a:r>
+            <a:r>
+              <a:rPr lang="pt-BR" dirty="0" smtClean="0"/>
+              <a:t>criada pelo usuário</a:t>
             </a:r>
           </a:p>
           <a:p>
             <a:pPr algn="just"/>
             <a:r>
               <a:rPr lang="pt-BR" dirty="0" smtClean="0"/>
-              <a:t>Região limitada</a:t>
-            </a:r>
+              <a:t>Criação de mapas </a:t>
+            </a:r>
+            <a:r>
+              <a:rPr lang="pt-BR" dirty="0" smtClean="0"/>
+              <a:t>simples</a:t>
+            </a:r>
+          </a:p>
+          <a:p>
+            <a:pPr algn="just"/>
+            <a:r>
+              <a:rPr lang="pt-BR" dirty="0" smtClean="0"/>
+              <a:t>Relatórios </a:t>
+            </a:r>
+            <a:r>
+              <a:rPr lang="pt-BR" dirty="0" smtClean="0"/>
+              <a:t>claros</a:t>
+            </a:r>
+            <a:endParaRPr lang="pt-BR" dirty="0" smtClean="0"/>
           </a:p>
           <a:p>
             <a:pPr algn="just"/>
@@ -7050,15 +5880,127 @@
             <a:pPr lvl="1" algn="just"/>
             <a:r>
               <a:rPr lang="pt-BR" dirty="0" smtClean="0"/>
-              <a:t>Ocorrências de congestionamento</a:t>
-            </a:r>
+              <a:t>Velocidade média dos veículos</a:t>
+            </a:r>
+            <a:endParaRPr lang="pt-BR" dirty="0" smtClean="0"/>
           </a:p>
           <a:p>
             <a:pPr lvl="1" algn="just"/>
             <a:r>
               <a:rPr lang="pt-BR" dirty="0" smtClean="0"/>
-              <a:t>Tempo médio de percurso</a:t>
-            </a:r>
+              <a:t>Fluxo médio por rua</a:t>
+            </a:r>
+          </a:p>
+        </p:txBody>
+      </p:sp>
+      <p:pic>
+        <p:nvPicPr>
+          <p:cNvPr id="18434" name="Picture 2" descr="http://www.goodexperience.com/broken/images/2007/04/06/traffic_lights.jpg"/>
+          <p:cNvPicPr>
+            <a:picLocks noChangeAspect="1" noChangeArrowheads="1"/>
+          </p:cNvPicPr>
+          <p:nvPr/>
+        </p:nvPicPr>
+        <p:blipFill>
+          <a:blip r:embed="rId3"/>
+          <a:srcRect/>
+          <a:stretch>
+            <a:fillRect/>
+          </a:stretch>
+        </p:blipFill>
+        <p:spPr bwMode="auto">
+          <a:xfrm>
+            <a:off x="7000892" y="3143248"/>
+            <a:ext cx="1729934" cy="2305033"/>
+          </a:xfrm>
+          <a:prstGeom prst="rect">
+            <a:avLst/>
+          </a:prstGeom>
+          <a:ln>
+            <a:noFill/>
+          </a:ln>
+          <a:effectLst>
+            <a:outerShdw blurRad="190500" algn="tl" rotWithShape="0">
+              <a:srgbClr val="000000">
+                <a:alpha val="70000"/>
+              </a:srgbClr>
+            </a:outerShdw>
+          </a:effectLst>
+        </p:spPr>
+      </p:pic>
+      <p:sp>
+        <p:nvSpPr>
+          <p:cNvPr id="6" name="Espaço Reservado para Conteúdo 2"/>
+          <p:cNvSpPr txBox="1">
+            <a:spLocks/>
+          </p:cNvSpPr>
+          <p:nvPr/>
+        </p:nvSpPr>
+        <p:spPr>
+          <a:xfrm>
+            <a:off x="457200" y="1785926"/>
+            <a:ext cx="8229600" cy="725115"/>
+          </a:xfrm>
+          <a:prstGeom prst="rect">
+            <a:avLst/>
+          </a:prstGeom>
+        </p:spPr>
+        <p:txBody>
+          <a:bodyPr vert="horz" lIns="54864" tIns="91440" rtlCol="0">
+            <a:normAutofit/>
+          </a:bodyPr>
+          <a:lstStyle/>
+          <a:p>
+            <a:pPr marL="438912" marR="0" lvl="0" indent="-320040" algn="l" defTabSz="914400" rtl="0" eaLnBrk="1" fontAlgn="auto" latinLnBrk="0" hangingPunct="1">
+              <a:lnSpc>
+                <a:spcPct val="100000"/>
+              </a:lnSpc>
+              <a:spcBef>
+                <a:spcPts val="0"/>
+              </a:spcBef>
+              <a:spcAft>
+                <a:spcPts val="0"/>
+              </a:spcAft>
+              <a:buClr>
+                <a:schemeClr val="accent1"/>
+              </a:buClr>
+              <a:buSzPct val="80000"/>
+              <a:buFont typeface="Wingdings 2"/>
+              <a:buChar char=""/>
+              <a:tabLst/>
+              <a:defRPr/>
+            </a:pPr>
+            <a:r>
+              <a:rPr kumimoji="0" lang="pt-BR" sz="3200" b="0" i="0" u="none" strike="noStrike" kern="1200" cap="none" spc="0" normalizeH="0" baseline="0" noProof="0" smtClean="0">
+                <a:ln>
+                  <a:noFill/>
+                </a:ln>
+                <a:solidFill>
+                  <a:schemeClr val="tx1"/>
+                </a:solidFill>
+                <a:effectLst/>
+                <a:uLnTx/>
+                <a:uFillTx/>
+                <a:latin typeface="+mn-lt"/>
+                <a:ea typeface="+mn-ea"/>
+                <a:cs typeface="+mn-cs"/>
+              </a:rPr>
+              <a:t>Simulação do tráfego de automóveis</a:t>
+            </a:r>
+            <a:endParaRPr kumimoji="0" lang="pt-BR" sz="3200" b="0" i="0" u="none" strike="noStrike" kern="1200" cap="none" spc="0" normalizeH="0" baseline="0" noProof="0" dirty="0" smtClean="0">
+              <a:ln>
+                <a:noFill/>
+              </a:ln>
+              <a:solidFill>
+                <a:schemeClr val="tx1"/>
+              </a:solidFill>
+              <a:effectLst/>
+              <a:uLnTx/>
+              <a:uFillTx/>
+              <a:latin typeface="+mn-lt"/>
+              <a:ea typeface="+mn-ea"/>
+              <a:cs typeface="+mn-cs"/>
+            </a:endParaRPr>
           </a:p>
         </p:txBody>
       </p:sp>
@@ -7111,7 +6053,7 @@
           <a:p>
             <a:r>
               <a:rPr lang="pt-BR" dirty="0" smtClean="0"/>
-              <a:t>Escopo e Objetivos</a:t>
+              <a:t>Usuários e Interface</a:t>
             </a:r>
             <a:endParaRPr lang="pt-BR" dirty="0"/>
           </a:p>
@@ -7127,83 +6069,98 @@
             <p:ph idx="1"/>
           </p:nvPr>
         </p:nvSpPr>
-        <p:spPr/>
+        <p:spPr>
+          <a:xfrm>
+            <a:off x="457200" y="1775191"/>
+            <a:ext cx="8229600" cy="4154139"/>
+          </a:xfrm>
+        </p:spPr>
         <p:txBody>
           <a:bodyPr>
-            <a:normAutofit lnSpcReduction="10000"/>
+            <a:normAutofit/>
           </a:bodyPr>
           <a:lstStyle/>
           <a:p>
             <a:r>
               <a:rPr lang="pt-BR" dirty="0" smtClean="0"/>
-              <a:t>Entrada:</a:t>
+              <a:t>Destinado a controladores de tráfego</a:t>
+            </a:r>
+          </a:p>
+          <a:p>
+            <a:r>
+              <a:rPr lang="pt-BR" dirty="0" smtClean="0"/>
+              <a:t>Usuário permanente</a:t>
+            </a:r>
+          </a:p>
+          <a:p>
+            <a:endParaRPr lang="pt-BR" dirty="0" smtClean="0"/>
+          </a:p>
+          <a:p>
+            <a:r>
+              <a:rPr lang="pt-BR" dirty="0" smtClean="0"/>
+              <a:t>Interface simples e amigável</a:t>
             </a:r>
           </a:p>
           <a:p>
             <a:pPr lvl="1"/>
             <a:r>
-              <a:rPr lang="pt-BR" dirty="0" smtClean="0"/>
-              <a:t>Mapa da localização, gerado pelo usuário</a:t>
+              <a:rPr lang="pt-BR" dirty="0" smtClean="0">
+                <a:sym typeface="Wingdings" pitchFamily="2" charset="2"/>
+              </a:rPr>
+              <a:t>Comandos</a:t>
             </a:r>
           </a:p>
           <a:p>
             <a:pPr lvl="1"/>
             <a:r>
-              <a:rPr lang="pt-BR" dirty="0" smtClean="0"/>
-              <a:t>Parâmetros de simulação</a:t>
-            </a:r>
-          </a:p>
-          <a:p>
-            <a:pPr lvl="2"/>
-            <a:r>
-              <a:rPr lang="pt-BR" dirty="0" smtClean="0"/>
-              <a:t>Temporização dos semáforos</a:t>
-            </a:r>
-          </a:p>
-          <a:p>
-            <a:pPr lvl="2"/>
-            <a:r>
-              <a:rPr lang="pt-BR" dirty="0" smtClean="0"/>
-              <a:t>Fluxo médio de carros</a:t>
-            </a:r>
-          </a:p>
-          <a:p>
-            <a:pPr lvl="2"/>
-            <a:r>
-              <a:rPr lang="pt-BR" dirty="0" smtClean="0"/>
-              <a:t>Passo e tempo de simulação</a:t>
-            </a:r>
-          </a:p>
-          <a:p>
-            <a:pPr lvl="2"/>
-            <a:r>
-              <a:rPr lang="pt-BR" dirty="0" smtClean="0"/>
-              <a:t>Velocidades inicial e máxima dos veículos</a:t>
-            </a:r>
-          </a:p>
-          <a:p>
-            <a:pPr lvl="2"/>
-            <a:r>
-              <a:rPr lang="pt-BR" dirty="0" smtClean="0"/>
-              <a:t>Distância de segurança</a:t>
-            </a:r>
-          </a:p>
-          <a:p>
-            <a:pPr lvl="2"/>
-            <a:r>
-              <a:rPr lang="pt-BR" dirty="0" smtClean="0"/>
-              <a:t>Aceleração dos carros</a:t>
-            </a:r>
-          </a:p>
-          <a:p>
-            <a:pPr lvl="2"/>
-            <a:r>
-              <a:rPr lang="pt-BR" dirty="0" smtClean="0"/>
-              <a:t>Dimensões dos veículos</a:t>
-            </a:r>
-          </a:p>
-        </p:txBody>
-      </p:sp>
+              <a:rPr lang="pt-BR" dirty="0" smtClean="0">
+                <a:sym typeface="Wingdings" pitchFamily="2" charset="2"/>
+              </a:rPr>
+              <a:t>Desenho e Simulação</a:t>
+            </a:r>
+          </a:p>
+          <a:p>
+            <a:endParaRPr lang="pt-BR" dirty="0" smtClean="0">
+              <a:sym typeface="Wingdings" pitchFamily="2" charset="2"/>
+            </a:endParaRPr>
+          </a:p>
+        </p:txBody>
+      </p:sp>
+      <p:pic>
+        <p:nvPicPr>
+          <p:cNvPr id="16386" name="Picture 2" descr="http://www.edtech.vt.edu/edtech/id/interface/graphics/redtv.jpg"/>
+          <p:cNvPicPr>
+            <a:picLocks noChangeAspect="1" noChangeArrowheads="1"/>
+          </p:cNvPicPr>
+          <p:nvPr/>
+        </p:nvPicPr>
+        <p:blipFill>
+          <a:blip r:embed="rId3"/>
+          <a:srcRect/>
+          <a:stretch>
+            <a:fillRect/>
+          </a:stretch>
+        </p:blipFill>
+        <p:spPr bwMode="auto">
+          <a:xfrm>
+            <a:off x="5715008" y="4071942"/>
+            <a:ext cx="2643182" cy="2393548"/>
+          </a:xfrm>
+          <a:prstGeom prst="rect">
+            <a:avLst/>
+          </a:prstGeom>
+          <a:ln>
+            <a:noFill/>
+          </a:ln>
+          <a:effectLst>
+            <a:outerShdw blurRad="190500" algn="tl" rotWithShape="0">
+              <a:srgbClr val="000000">
+                <a:alpha val="70000"/>
+              </a:srgbClr>
+            </a:outerShdw>
+          </a:effectLst>
+        </p:spPr>
+      </p:pic>
     </p:spTree>
   </p:cSld>
   <p:clrMapOvr>
@@ -7253,50 +6210,34 @@
           <a:p>
             <a:r>
               <a:rPr lang="pt-BR" dirty="0" smtClean="0"/>
-              <a:t>Escopo e Objetivos</a:t>
+              <a:t>Usuários e Interface</a:t>
             </a:r>
             <a:endParaRPr lang="pt-BR" dirty="0"/>
           </a:p>
         </p:txBody>
       </p:sp>
-      <p:sp>
-        <p:nvSpPr>
-          <p:cNvPr id="3" name="Espaço Reservado para Conteúdo 2"/>
-          <p:cNvSpPr>
-            <a:spLocks noGrp="1"/>
-          </p:cNvSpPr>
-          <p:nvPr>
-            <p:ph idx="1"/>
-          </p:nvPr>
-        </p:nvSpPr>
-        <p:spPr/>
-        <p:txBody>
-          <a:bodyPr/>
-          <a:lstStyle/>
-          <a:p>
-            <a:pPr algn="just"/>
-            <a:r>
-              <a:rPr lang="pt-BR" dirty="0" smtClean="0"/>
-              <a:t>Saída:</a:t>
-            </a:r>
-          </a:p>
-          <a:p>
-            <a:pPr lvl="1" algn="just"/>
-            <a:r>
-              <a:rPr lang="pt-BR" dirty="0" smtClean="0"/>
-              <a:t>Simulação do tráfego apresentada na interface graficamente</a:t>
-            </a:r>
-          </a:p>
-          <a:p>
-            <a:pPr lvl="1" algn="just"/>
-            <a:r>
-              <a:rPr lang="pt-BR" dirty="0" smtClean="0"/>
-              <a:t>Relatório com informações relevantes sobre o tráfego</a:t>
-            </a:r>
-            <a:endParaRPr lang="pt-BR" dirty="0"/>
-          </a:p>
-        </p:txBody>
-      </p:sp>
+      <p:pic>
+        <p:nvPicPr>
+          <p:cNvPr id="4" name="Imagem 3" descr="tela_principal.png"/>
+          <p:cNvPicPr/>
+          <p:nvPr/>
+        </p:nvPicPr>
+        <p:blipFill>
+          <a:blip r:embed="rId3"/>
+          <a:stretch>
+            <a:fillRect/>
+          </a:stretch>
+        </p:blipFill>
+        <p:spPr>
+          <a:xfrm>
+            <a:off x="1449292" y="1714488"/>
+            <a:ext cx="6245417" cy="4714908"/>
+          </a:xfrm>
+          <a:prstGeom prst="rect">
+            <a:avLst/>
+          </a:prstGeom>
+        </p:spPr>
+      </p:pic>
     </p:spTree>
   </p:cSld>
   <p:clrMapOvr>
@@ -7346,7 +6287,7 @@
           <a:p>
             <a:r>
               <a:rPr lang="pt-BR" dirty="0" smtClean="0"/>
-              <a:t>Estrutura Organizacional</a:t>
+              <a:t>Requisitos Funcionais</a:t>
             </a:r>
             <a:endParaRPr lang="pt-BR" dirty="0"/>
           </a:p>
@@ -7362,48 +6303,110 @@
             <p:ph idx="1"/>
           </p:nvPr>
         </p:nvSpPr>
-        <p:spPr/>
-        <p:txBody>
-          <a:bodyPr/>
-          <a:lstStyle/>
-          <a:p>
-            <a:pPr algn="just"/>
+        <p:spPr>
+          <a:xfrm>
+            <a:off x="457200" y="1775191"/>
+            <a:ext cx="8229600" cy="4725643"/>
+          </a:xfrm>
+        </p:spPr>
+        <p:txBody>
+          <a:bodyPr>
+            <a:normAutofit/>
+          </a:bodyPr>
+          <a:lstStyle/>
+          <a:p>
             <a:r>
               <a:rPr lang="pt-BR" dirty="0" smtClean="0"/>
-              <a:t>Modelo democrático</a:t>
-            </a:r>
-          </a:p>
-          <a:p>
-            <a:pPr algn="just"/>
+              <a:t>Ator: </a:t>
+            </a:r>
+            <a:r>
+              <a:rPr lang="pt-BR" u="sng" dirty="0" smtClean="0"/>
+              <a:t>Usuário</a:t>
+            </a:r>
             <a:r>
               <a:rPr lang="pt-BR" dirty="0" smtClean="0"/>
-              <a:t>Controle de Qualidade:</a:t>
-            </a:r>
-          </a:p>
-          <a:p>
-            <a:pPr lvl="1" algn="just"/>
+              <a:t> do aplicativo</a:t>
+            </a:r>
+          </a:p>
+          <a:p>
+            <a:endParaRPr lang="pt-BR" dirty="0" smtClean="0"/>
+          </a:p>
+          <a:p>
+            <a:endParaRPr lang="pt-BR" dirty="0" smtClean="0"/>
+          </a:p>
+          <a:p>
+            <a:endParaRPr lang="pt-BR" dirty="0" smtClean="0"/>
+          </a:p>
+          <a:p>
+            <a:endParaRPr lang="pt-BR" dirty="0" smtClean="0"/>
+          </a:p>
+          <a:p>
+            <a:endParaRPr lang="pt-BR" dirty="0" smtClean="0"/>
+          </a:p>
+          <a:p>
             <a:r>
               <a:rPr lang="pt-BR" dirty="0" smtClean="0"/>
-              <a:t>Professor Antônio Cláudio </a:t>
-            </a:r>
-            <a:r>
-              <a:rPr lang="pt-BR" dirty="0" err="1" smtClean="0"/>
-              <a:t>Goméz</a:t>
-            </a:r>
+              <a:t>Diagrama de Casos de Uso</a:t>
+            </a:r>
+          </a:p>
+          <a:p>
             <a:r>
               <a:rPr lang="pt-BR" dirty="0" smtClean="0"/>
-              <a:t> de Souza</a:t>
-            </a:r>
-          </a:p>
-          <a:p>
-            <a:pPr algn="just"/>
+              <a:t>Diagrama de Classes</a:t>
+            </a:r>
+          </a:p>
+          <a:p>
             <a:r>
               <a:rPr lang="pt-BR" dirty="0" smtClean="0"/>
-              <a:t>O Professor Paulo Cezar Martins Ribeiro, do PET, irá acompanhar o desenvolvimento da ferramenta</a:t>
-            </a:r>
-          </a:p>
-        </p:txBody>
-      </p:sp>
+              <a:t>Diagrama de Sequência</a:t>
+            </a:r>
+          </a:p>
+          <a:p>
+            <a:endParaRPr lang="pt-BR" dirty="0" smtClean="0"/>
+          </a:p>
+          <a:p>
+            <a:pPr>
+              <a:buNone/>
+            </a:pPr>
+            <a:endParaRPr lang="pt-BR" dirty="0"/>
+          </a:p>
+        </p:txBody>
+      </p:sp>
+      <p:pic>
+        <p:nvPicPr>
+          <p:cNvPr id="8194" name="Picture 2" descr="http://giiblog.files.wordpress.com/2008/03/homer-computer.gif"/>
+          <p:cNvPicPr>
+            <a:picLocks noChangeAspect="1" noChangeArrowheads="1"/>
+          </p:cNvPicPr>
+          <p:nvPr/>
+        </p:nvPicPr>
+        <p:blipFill>
+          <a:blip r:embed="rId3"/>
+          <a:srcRect/>
+          <a:stretch>
+            <a:fillRect/>
+          </a:stretch>
+        </p:blipFill>
+        <p:spPr bwMode="auto">
+          <a:xfrm>
+            <a:off x="3071818" y="2686044"/>
+            <a:ext cx="3000365" cy="1903458"/>
+          </a:xfrm>
+          <a:prstGeom prst="rect">
+            <a:avLst/>
+          </a:prstGeom>
+          <a:ln>
+            <a:noFill/>
+          </a:ln>
+          <a:effectLst>
+            <a:outerShdw blurRad="190500" algn="tl" rotWithShape="0">
+              <a:srgbClr val="000000">
+                <a:alpha val="70000"/>
+              </a:srgbClr>
+            </a:outerShdw>
+          </a:effectLst>
+        </p:spPr>
+      </p:pic>
     </p:spTree>
   </p:cSld>
   <p:clrMapOvr>
@@ -7453,71 +6456,38 @@
           <a:p>
             <a:r>
               <a:rPr lang="pt-BR" dirty="0" smtClean="0"/>
-              <a:t>Previsões</a:t>
+              <a:t>Diagrama de Casos de Uso</a:t>
             </a:r>
             <a:endParaRPr lang="pt-BR" dirty="0"/>
           </a:p>
         </p:txBody>
       </p:sp>
-      <p:sp>
-        <p:nvSpPr>
-          <p:cNvPr id="3" name="Espaço Reservado para Conteúdo 2"/>
-          <p:cNvSpPr>
-            <a:spLocks noGrp="1"/>
-          </p:cNvSpPr>
+      <p:pic>
+        <p:nvPicPr>
+          <p:cNvPr id="4" name="Espaço Reservado para Conteúdo 3" descr="Diagrama de Casos de Uso.png"/>
+          <p:cNvPicPr>
+            <a:picLocks noGrp="1"/>
+          </p:cNvPicPr>
           <p:nvPr>
             <p:ph idx="1"/>
           </p:nvPr>
-        </p:nvSpPr>
-        <p:spPr/>
-        <p:txBody>
-          <a:bodyPr/>
-          <a:lstStyle/>
-          <a:p>
-            <a:pPr algn="just"/>
-            <a:r>
-              <a:rPr lang="pt-BR" dirty="0" smtClean="0"/>
-              <a:t>Previsões feitas com o software COCOMO II</a:t>
-            </a:r>
-          </a:p>
-          <a:p>
-            <a:pPr algn="just"/>
-            <a:r>
-              <a:rPr lang="pt-BR" dirty="0" smtClean="0"/>
-              <a:t>Foram usadas as seguintes entradas para o cálculo de Pontos de Função:</a:t>
-            </a:r>
-          </a:p>
-          <a:p>
-            <a:pPr lvl="1" algn="just"/>
-            <a:r>
-              <a:rPr lang="pt-BR" dirty="0" smtClean="0"/>
-              <a:t>Entradas: uma de complexidade alta</a:t>
-            </a:r>
-          </a:p>
-          <a:p>
-            <a:pPr lvl="1" algn="just"/>
-            <a:r>
-              <a:rPr lang="pt-BR" dirty="0" smtClean="0"/>
-              <a:t>Saídas: uma de complexidade baixa e uma de complexidade alta</a:t>
-            </a:r>
-          </a:p>
-          <a:p>
-            <a:pPr lvl="1" algn="just"/>
-            <a:r>
-              <a:rPr lang="pt-BR" dirty="0" smtClean="0"/>
-              <a:t>Interfaces: uma de complexidade baixa</a:t>
-            </a:r>
-          </a:p>
-          <a:p>
-            <a:pPr algn="just"/>
-            <a:r>
-              <a:rPr lang="pt-BR" dirty="0" smtClean="0"/>
-              <a:t>O resultado obtido foi de 22 pontos de função</a:t>
-            </a:r>
-            <a:endParaRPr lang="pt-BR" dirty="0"/>
-          </a:p>
-        </p:txBody>
-      </p:sp>
+        </p:nvPicPr>
+        <p:blipFill>
+          <a:blip r:embed="rId3"/>
+          <a:stretch>
+            <a:fillRect/>
+          </a:stretch>
+        </p:blipFill>
+        <p:spPr>
+          <a:xfrm>
+            <a:off x="1842675" y="1774825"/>
+            <a:ext cx="5458651" cy="4625975"/>
+          </a:xfrm>
+          <a:prstGeom prst="rect">
+            <a:avLst/>
+          </a:prstGeom>
+        </p:spPr>
+      </p:pic>
     </p:spTree>
   </p:cSld>
   <p:clrMapOvr>
@@ -7567,38 +6537,70 @@
           <a:p>
             <a:r>
               <a:rPr lang="pt-BR" dirty="0" smtClean="0"/>
-              <a:t>Previsões</a:t>
+              <a:t>Diagrama de Classes</a:t>
             </a:r>
             <a:endParaRPr lang="pt-BR" dirty="0"/>
           </a:p>
         </p:txBody>
       </p:sp>
-      <p:pic>
-        <p:nvPicPr>
-          <p:cNvPr id="4" name="Espaço Reservado para Conteúdo 3" descr="cocomo1.jpg"/>
-          <p:cNvPicPr>
-            <a:picLocks noGrp="1"/>
-          </p:cNvPicPr>
-          <p:nvPr>
-            <p:ph idx="1"/>
-          </p:nvPr>
-        </p:nvPicPr>
-        <p:blipFill>
-          <a:blip r:embed="rId3"/>
-          <a:stretch>
-            <a:fillRect/>
-          </a:stretch>
-        </p:blipFill>
-        <p:spPr>
+      <p:sp>
+        <p:nvSpPr>
+          <p:cNvPr id="4100" name="Rectangle 4"/>
+          <p:cNvSpPr>
+            <a:spLocks noChangeArrowheads="1"/>
+          </p:cNvSpPr>
+          <p:nvPr/>
+        </p:nvSpPr>
+        <p:spPr bwMode="auto">
           <a:xfrm>
-            <a:off x="2500298" y="1509677"/>
-            <a:ext cx="4357718" cy="5134033"/>
+            <a:off x="0" y="0"/>
+            <a:ext cx="9144000" cy="0"/>
           </a:xfrm>
           <a:prstGeom prst="rect">
             <a:avLst/>
           </a:prstGeom>
+          <a:noFill/>
+          <a:ln w="9525">
+            <a:noFill/>
+            <a:miter lim="800000"/>
+            <a:headEnd/>
+            <a:tailEnd/>
+          </a:ln>
+          <a:effectLst/>
         </p:spPr>
-      </p:pic>
+        <p:txBody>
+          <a:bodyPr vert="horz" wrap="none" lIns="91440" tIns="45720" rIns="91440" bIns="45720" numCol="1" anchor="ctr" anchorCtr="0" compatLnSpc="1">
+            <a:prstTxWarp prst="textNoShape">
+              <a:avLst/>
+            </a:prstTxWarp>
+            <a:spAutoFit/>
+          </a:bodyPr>
+          <a:lstStyle/>
+          <a:p>
+            <a:endParaRPr lang="pt-BR"/>
+          </a:p>
+        </p:txBody>
+      </p:sp>
+      <p:graphicFrame>
+        <p:nvGraphicFramePr>
+          <p:cNvPr id="4099" name="Object 3"/>
+          <p:cNvGraphicFramePr>
+            <a:graphicFrameLocks noChangeAspect="1"/>
+          </p:cNvGraphicFramePr>
+          <p:nvPr/>
+        </p:nvGraphicFramePr>
+        <p:xfrm>
+          <a:off x="1857356" y="1571613"/>
+          <a:ext cx="5429288" cy="5072098"/>
+        </p:xfrm>
+        <a:graphic>
+          <a:graphicData uri="http://schemas.openxmlformats.org/presentationml/2006/ole">
+            <p:oleObj spid="_x0000_s4099" name="Visio" r:id="rId4" imgW="6093033" imgH="6544553" progId="Visio.Drawing.11">
+              <p:embed/>
+            </p:oleObj>
+          </a:graphicData>
+        </a:graphic>
+      </p:graphicFrame>
     </p:spTree>
   </p:cSld>
   <p:clrMapOvr>
@@ -7648,7 +6650,7 @@
           <a:p>
             <a:r>
               <a:rPr lang="pt-BR" dirty="0" smtClean="0"/>
-              <a:t>Previsões</a:t>
+              <a:t>Diagrama de Sequência</a:t>
             </a:r>
             <a:endParaRPr lang="pt-BR" dirty="0"/>
           </a:p>
@@ -7656,87 +6658,101 @@
       </p:sp>
       <p:sp>
         <p:nvSpPr>
-          <p:cNvPr id="3" name="Espaço Reservado para Conteúdo 2"/>
-          <p:cNvSpPr>
-            <a:spLocks noGrp="1"/>
-          </p:cNvSpPr>
-          <p:nvPr>
-            <p:ph idx="1"/>
-          </p:nvPr>
-        </p:nvSpPr>
-        <p:spPr/>
-        <p:txBody>
-          <a:bodyPr/>
-          <a:lstStyle/>
-          <a:p>
-            <a:r>
-              <a:rPr lang="pt-BR" dirty="0" smtClean="0"/>
-              <a:t>Os seguintes dados foram previstos:</a:t>
-            </a:r>
-          </a:p>
-          <a:p>
-            <a:pPr lvl="1"/>
-            <a:r>
-              <a:rPr lang="pt-BR" dirty="0" smtClean="0"/>
-              <a:t>Esforço total regulado: 3,0 PM</a:t>
-            </a:r>
-          </a:p>
-          <a:p>
-            <a:pPr lvl="1"/>
-            <a:r>
-              <a:rPr lang="pt-BR" dirty="0" smtClean="0"/>
-              <a:t>S</a:t>
-            </a:r>
-            <a:r>
-              <a:rPr lang="pt-BR" dirty="0" smtClean="0"/>
-              <a:t>LOC: aprox. 2000 linhas de código</a:t>
-            </a:r>
-          </a:p>
-          <a:p>
-            <a:pPr lvl="1"/>
-            <a:r>
-              <a:rPr lang="pt-BR" dirty="0" smtClean="0"/>
-              <a:t>EAF (</a:t>
-            </a:r>
-            <a:r>
-              <a:rPr lang="pt-BR" i="1" dirty="0" err="1" smtClean="0"/>
-              <a:t>Effort</a:t>
-            </a:r>
-            <a:r>
-              <a:rPr lang="pt-BR" i="1" dirty="0" smtClean="0"/>
-              <a:t> </a:t>
-            </a:r>
-            <a:r>
-              <a:rPr lang="pt-BR" i="1" dirty="0" err="1" smtClean="0"/>
-              <a:t>Adjustment</a:t>
-            </a:r>
-            <a:r>
-              <a:rPr lang="pt-BR" i="1" dirty="0" smtClean="0"/>
-              <a:t> </a:t>
-            </a:r>
-            <a:r>
-              <a:rPr lang="pt-BR" i="1" dirty="0" err="1" smtClean="0"/>
-              <a:t>Factor</a:t>
-            </a:r>
-            <a:r>
-              <a:rPr lang="pt-BR" dirty="0" smtClean="0"/>
-              <a:t>): 0,55</a:t>
-            </a:r>
-          </a:p>
-          <a:p>
-            <a:pPr lvl="1"/>
-            <a:r>
-              <a:rPr lang="pt-BR" dirty="0" smtClean="0"/>
-              <a:t>Prazo: 3 meses</a:t>
-            </a:r>
-          </a:p>
-          <a:p>
-            <a:pPr lvl="1"/>
-            <a:r>
-              <a:rPr lang="pt-BR" dirty="0" smtClean="0"/>
-              <a:t>Custo do software: aprox. R$15.000,00</a:t>
-            </a:r>
-            <a:endParaRPr lang="pt-BR" dirty="0"/>
+          <p:cNvPr id="2050" name="Rectangle 2"/>
+          <p:cNvSpPr>
+            <a:spLocks noChangeArrowheads="1"/>
+          </p:cNvSpPr>
+          <p:nvPr/>
+        </p:nvSpPr>
+        <p:spPr bwMode="auto">
+          <a:xfrm>
+            <a:off x="0" y="0"/>
+            <a:ext cx="9144000" cy="0"/>
+          </a:xfrm>
+          <a:prstGeom prst="rect">
+            <a:avLst/>
+          </a:prstGeom>
+          <a:noFill/>
+          <a:ln w="9525">
+            <a:noFill/>
+            <a:miter lim="800000"/>
+            <a:headEnd/>
+            <a:tailEnd/>
+          </a:ln>
+          <a:effectLst/>
+        </p:spPr>
+        <p:txBody>
+          <a:bodyPr vert="horz" wrap="none" lIns="91440" tIns="45720" rIns="91440" bIns="45720" numCol="1" anchor="ctr" anchorCtr="0" compatLnSpc="1">
+            <a:prstTxWarp prst="textNoShape">
+              <a:avLst/>
+            </a:prstTxWarp>
+            <a:spAutoFit/>
+          </a:bodyPr>
+          <a:lstStyle/>
+          <a:p>
+            <a:endParaRPr lang="pt-BR"/>
+          </a:p>
+        </p:txBody>
+      </p:sp>
+      <p:graphicFrame>
+        <p:nvGraphicFramePr>
+          <p:cNvPr id="2049" name="Object 1"/>
+          <p:cNvGraphicFramePr>
+            <a:graphicFrameLocks noChangeAspect="1"/>
+          </p:cNvGraphicFramePr>
+          <p:nvPr/>
+        </p:nvGraphicFramePr>
+        <p:xfrm>
+          <a:off x="1338466" y="2269904"/>
+          <a:ext cx="6467069" cy="4516682"/>
+        </p:xfrm>
+        <a:graphic>
+          <a:graphicData uri="http://schemas.openxmlformats.org/presentationml/2006/ole">
+            <p:oleObj spid="_x0000_s2049" name="Visio" r:id="rId4" imgW="5762069" imgH="4024009" progId="Visio.Drawing.11">
+              <p:embed/>
+            </p:oleObj>
+          </a:graphicData>
+        </a:graphic>
+      </p:graphicFrame>
+      <p:sp>
+        <p:nvSpPr>
+          <p:cNvPr id="6" name="CaixaDeTexto 5"/>
+          <p:cNvSpPr txBox="1"/>
+          <p:nvPr/>
+        </p:nvSpPr>
+        <p:spPr>
+          <a:xfrm>
+            <a:off x="2823445" y="1619896"/>
+            <a:ext cx="3497111" cy="523220"/>
+          </a:xfrm>
+          <a:prstGeom prst="rect">
+            <a:avLst/>
+          </a:prstGeom>
+          <a:noFill/>
+        </p:spPr>
+        <p:txBody>
+          <a:bodyPr wrap="none" rtlCol="0">
+            <a:spAutoFit/>
+          </a:bodyPr>
+          <a:lstStyle/>
+          <a:p>
+            <a:r>
+              <a:rPr lang="pt-BR" sz="2800" i="1" dirty="0" smtClean="0">
+                <a:solidFill>
+                  <a:schemeClr val="accent4">
+                    <a:lumMod val="75000"/>
+                  </a:schemeClr>
+                </a:solidFill>
+              </a:rPr>
+              <a:t>Caso de Uso: Criar Rua</a:t>
+            </a:r>
+            <a:endParaRPr lang="pt-BR" sz="2800" i="1" dirty="0">
+              <a:solidFill>
+                <a:schemeClr val="accent4">
+                  <a:lumMod val="75000"/>
+                </a:schemeClr>
+              </a:solidFill>
+            </a:endParaRPr>
           </a:p>
         </p:txBody>
       </p:sp>

--- a/trunk/Documentação/Especificação de Requisitos de Software/Apresentação.pptx
+++ b/trunk/Documentação/Especificação de Requisitos de Software/Apresentação.pptx
@@ -203,7 +203,7 @@
             <a:fld id="{D4D74DF4-3340-4C2C-BFD7-DAF2CAB91795}" type="datetimeFigureOut">
               <a:rPr lang="pt-BR" smtClean="0"/>
               <a:pPr/>
-              <a:t>19/05/2009</a:t>
+              <a:t>20/05/2009</a:t>
             </a:fld>
             <a:endParaRPr lang="pt-BR"/>
           </a:p>
@@ -1620,7 +1620,7 @@
             <a:fld id="{2E700DB3-DBF0-4086-B675-117E7A9610B8}" type="datetimeFigureOut">
               <a:rPr lang="pt-BR" smtClean="0"/>
               <a:pPr/>
-              <a:t>19/05/2009</a:t>
+              <a:t>20/05/2009</a:t>
             </a:fld>
             <a:endParaRPr lang="pt-BR"/>
           </a:p>
@@ -1845,7 +1845,7 @@
             <a:fld id="{2E700DB3-DBF0-4086-B675-117E7A9610B8}" type="datetimeFigureOut">
               <a:rPr lang="pt-BR" smtClean="0"/>
               <a:pPr/>
-              <a:t>19/05/2009</a:t>
+              <a:t>20/05/2009</a:t>
             </a:fld>
             <a:endParaRPr lang="pt-BR"/>
           </a:p>
@@ -2127,7 +2127,7 @@
             <a:fld id="{2E700DB3-DBF0-4086-B675-117E7A9610B8}" type="datetimeFigureOut">
               <a:rPr lang="pt-BR" smtClean="0"/>
               <a:pPr/>
-              <a:t>19/05/2009</a:t>
+              <a:t>20/05/2009</a:t>
             </a:fld>
             <a:endParaRPr lang="pt-BR"/>
           </a:p>
@@ -2308,7 +2308,7 @@
             <a:fld id="{2E700DB3-DBF0-4086-B675-117E7A9610B8}" type="datetimeFigureOut">
               <a:rPr lang="pt-BR" smtClean="0"/>
               <a:pPr/>
-              <a:t>19/05/2009</a:t>
+              <a:t>20/05/2009</a:t>
             </a:fld>
             <a:endParaRPr lang="pt-BR"/>
           </a:p>
@@ -2668,7 +2668,7 @@
             <a:fld id="{2E700DB3-DBF0-4086-B675-117E7A9610B8}" type="datetimeFigureOut">
               <a:rPr lang="pt-BR" smtClean="0"/>
               <a:pPr/>
-              <a:t>19/05/2009</a:t>
+              <a:t>20/05/2009</a:t>
             </a:fld>
             <a:endParaRPr lang="pt-BR"/>
           </a:p>
@@ -2957,7 +2957,7 @@
             <a:fld id="{2E700DB3-DBF0-4086-B675-117E7A9610B8}" type="datetimeFigureOut">
               <a:rPr lang="pt-BR" smtClean="0"/>
               <a:pPr/>
-              <a:t>19/05/2009</a:t>
+              <a:t>20/05/2009</a:t>
             </a:fld>
             <a:endParaRPr lang="pt-BR"/>
           </a:p>
@@ -3381,7 +3381,7 @@
             <a:fld id="{2E700DB3-DBF0-4086-B675-117E7A9610B8}" type="datetimeFigureOut">
               <a:rPr lang="pt-BR" smtClean="0"/>
               <a:pPr/>
-              <a:t>19/05/2009</a:t>
+              <a:t>20/05/2009</a:t>
             </a:fld>
             <a:endParaRPr lang="pt-BR"/>
           </a:p>
@@ -3498,7 +3498,7 @@
             <a:fld id="{2E700DB3-DBF0-4086-B675-117E7A9610B8}" type="datetimeFigureOut">
               <a:rPr lang="pt-BR" smtClean="0"/>
               <a:pPr/>
-              <a:t>19/05/2009</a:t>
+              <a:t>20/05/2009</a:t>
             </a:fld>
             <a:endParaRPr lang="pt-BR"/>
           </a:p>
@@ -3590,7 +3590,7 @@
             <a:fld id="{2E700DB3-DBF0-4086-B675-117E7A9610B8}" type="datetimeFigureOut">
               <a:rPr lang="pt-BR" smtClean="0"/>
               <a:pPr/>
-              <a:t>19/05/2009</a:t>
+              <a:t>20/05/2009</a:t>
             </a:fld>
             <a:endParaRPr lang="pt-BR"/>
           </a:p>
@@ -3870,7 +3870,7 @@
             <a:fld id="{2E700DB3-DBF0-4086-B675-117E7A9610B8}" type="datetimeFigureOut">
               <a:rPr lang="pt-BR" smtClean="0"/>
               <a:pPr/>
-              <a:t>19/05/2009</a:t>
+              <a:t>20/05/2009</a:t>
             </a:fld>
             <a:endParaRPr lang="pt-BR"/>
           </a:p>
@@ -4238,7 +4238,7 @@
             <a:fld id="{2E700DB3-DBF0-4086-B675-117E7A9610B8}" type="datetimeFigureOut">
               <a:rPr lang="pt-BR" smtClean="0"/>
               <a:pPr/>
-              <a:t>19/05/2009</a:t>
+              <a:t>20/05/2009</a:t>
             </a:fld>
             <a:endParaRPr lang="pt-BR"/>
           </a:p>
@@ -4677,7 +4677,7 @@
             <a:fld id="{2E700DB3-DBF0-4086-B675-117E7A9610B8}" type="datetimeFigureOut">
               <a:rPr lang="pt-BR" smtClean="0"/>
               <a:pPr/>
-              <a:t>19/05/2009</a:t>
+              <a:t>20/05/2009</a:t>
             </a:fld>
             <a:endParaRPr lang="pt-BR"/>
           </a:p>
@@ -5144,11 +5144,7 @@
           <a:p>
             <a:r>
               <a:rPr lang="pt-BR" dirty="0" smtClean="0"/>
-              <a:t>Especificação de Requisitos de </a:t>
-            </a:r>
-            <a:r>
-              <a:rPr lang="pt-BR" dirty="0" smtClean="0"/>
-              <a:t>Software - 1.00</a:t>
+              <a:t>Especificação de Requisitos de Software - 1.00</a:t>
             </a:r>
           </a:p>
         </p:txBody>
@@ -5485,31 +5481,14 @@
             <a:pPr algn="just"/>
             <a:r>
               <a:rPr lang="pt-BR" dirty="0" smtClean="0"/>
-              <a:t>Projeto, Plano de testes e Manua</a:t>
-            </a:r>
+              <a:t>Projeto, Plano de testes e Manual do Usuário 2ª versão:</a:t>
+            </a:r>
+          </a:p>
+          <a:p>
+            <a:pPr lvl="1"/>
             <a:r>
               <a:rPr lang="pt-BR" dirty="0" smtClean="0"/>
-              <a:t>l do Usuário 2ª versão</a:t>
-            </a:r>
-            <a:r>
-              <a:rPr lang="pt-BR" dirty="0" smtClean="0"/>
-              <a:t>:</a:t>
-            </a:r>
-            <a:endParaRPr lang="pt-BR" dirty="0" smtClean="0"/>
-          </a:p>
-          <a:p>
-            <a:pPr lvl="1"/>
-            <a:r>
-              <a:rPr lang="pt-BR" dirty="0" smtClean="0"/>
-              <a:t>3º </a:t>
-            </a:r>
-            <a:r>
-              <a:rPr lang="pt-BR" dirty="0" smtClean="0"/>
-              <a:t>seminário: </a:t>
-            </a:r>
-            <a:r>
-              <a:rPr lang="pt-BR" dirty="0" smtClean="0"/>
-              <a:t>08/06/2009</a:t>
+              <a:t>3º seminário: 08/06/2009</a:t>
             </a:r>
             <a:endParaRPr lang="pt-BR" dirty="0"/>
           </a:p>
@@ -5678,7 +5657,6 @@
               <a:rPr lang="pt-BR" dirty="0" smtClean="0"/>
               <a:t>Escopo e Funções</a:t>
             </a:r>
-            <a:endParaRPr lang="pt-BR" dirty="0" smtClean="0"/>
           </a:p>
           <a:p>
             <a:r>
@@ -5709,7 +5687,6 @@
               <a:rPr lang="pt-BR" dirty="0" smtClean="0"/>
               <a:t>Diagrama de Sequência</a:t>
             </a:r>
-            <a:endParaRPr lang="pt-BR" dirty="0" smtClean="0"/>
           </a:p>
           <a:p>
             <a:endParaRPr lang="pt-BR" dirty="0" smtClean="0"/>
@@ -5839,35 +5816,22 @@
             <a:pPr algn="just"/>
             <a:r>
               <a:rPr lang="pt-BR" dirty="0" smtClean="0"/>
-              <a:t>Região </a:t>
-            </a:r>
+              <a:t>Região criada pelo usuário</a:t>
+            </a:r>
+          </a:p>
+          <a:p>
+            <a:pPr algn="just"/>
             <a:r>
               <a:rPr lang="pt-BR" dirty="0" smtClean="0"/>
-              <a:t>criada pelo usuário</a:t>
+              <a:t>Criação de mapas simples</a:t>
             </a:r>
           </a:p>
           <a:p>
             <a:pPr algn="just"/>
             <a:r>
               <a:rPr lang="pt-BR" dirty="0" smtClean="0"/>
-              <a:t>Criação de mapas </a:t>
-            </a:r>
-            <a:r>
-              <a:rPr lang="pt-BR" dirty="0" smtClean="0"/>
-              <a:t>simples</a:t>
-            </a:r>
-          </a:p>
-          <a:p>
-            <a:pPr algn="just"/>
-            <a:r>
-              <a:rPr lang="pt-BR" dirty="0" smtClean="0"/>
-              <a:t>Relatórios </a:t>
-            </a:r>
-            <a:r>
-              <a:rPr lang="pt-BR" dirty="0" smtClean="0"/>
-              <a:t>claros</a:t>
-            </a:r>
-            <a:endParaRPr lang="pt-BR" dirty="0" smtClean="0"/>
+              <a:t>Relatórios claros</a:t>
+            </a:r>
           </a:p>
           <a:p>
             <a:pPr algn="just"/>
@@ -5882,7 +5846,6 @@
               <a:rPr lang="pt-BR" dirty="0" smtClean="0"/>
               <a:t>Velocidade média dos veículos</a:t>
             </a:r>
-            <a:endParaRPr lang="pt-BR" dirty="0" smtClean="0"/>
           </a:p>
           <a:p>
             <a:pPr lvl="1" algn="just"/>
@@ -6581,26 +6544,38 @@
           </a:p>
         </p:txBody>
       </p:sp>
-      <p:graphicFrame>
-        <p:nvGraphicFramePr>
-          <p:cNvPr id="4099" name="Object 3"/>
-          <p:cNvGraphicFramePr>
-            <a:graphicFrameLocks noChangeAspect="1"/>
-          </p:cNvGraphicFramePr>
+      <p:pic>
+        <p:nvPicPr>
+          <p:cNvPr id="4101" name="Picture 5"/>
+          <p:cNvPicPr>
+            <a:picLocks noChangeAspect="1" noChangeArrowheads="1"/>
+          </p:cNvPicPr>
           <p:nvPr/>
-        </p:nvGraphicFramePr>
-        <p:xfrm>
-          <a:off x="1857356" y="1571613"/>
-          <a:ext cx="5429288" cy="5072098"/>
-        </p:xfrm>
-        <a:graphic>
-          <a:graphicData uri="http://schemas.openxmlformats.org/presentationml/2006/ole">
-            <p:oleObj spid="_x0000_s4099" name="Visio" r:id="rId4" imgW="6093033" imgH="6544553" progId="Visio.Drawing.11">
-              <p:embed/>
-            </p:oleObj>
-          </a:graphicData>
-        </a:graphic>
-      </p:graphicFrame>
+        </p:nvPicPr>
+        <p:blipFill>
+          <a:blip r:embed="rId3"/>
+          <a:srcRect/>
+          <a:stretch>
+            <a:fillRect/>
+          </a:stretch>
+        </p:blipFill>
+        <p:spPr bwMode="auto">
+          <a:xfrm>
+            <a:off x="1785918" y="1571647"/>
+            <a:ext cx="5686425" cy="5000625"/>
+          </a:xfrm>
+          <a:prstGeom prst="rect">
+            <a:avLst/>
+          </a:prstGeom>
+          <a:noFill/>
+          <a:ln w="9525">
+            <a:noFill/>
+            <a:miter lim="800000"/>
+            <a:headEnd/>
+            <a:tailEnd/>
+          </a:ln>
+        </p:spPr>
+      </p:pic>
     </p:spTree>
   </p:cSld>
   <p:clrMapOvr>
